--- a/presentation/05nov2025.pptx
+++ b/presentation/05nov2025.pptx
@@ -7,8 +7,9 @@
   <p:sldIdLst>
     <p:sldId id="257" r:id="rId2"/>
     <p:sldId id="260" r:id="rId3"/>
-    <p:sldId id="258" r:id="rId4"/>
-    <p:sldId id="259" r:id="rId5"/>
+    <p:sldId id="261" r:id="rId4"/>
+    <p:sldId id="258" r:id="rId5"/>
+    <p:sldId id="259" r:id="rId6"/>
   </p:sldIdLst>
   <p:sldSz cx="12192000" cy="6858000"/>
   <p:notesSz cx="6858000" cy="9144000"/>
@@ -264,7 +265,7 @@
           <a:p>
             <a:fld id="{959034B2-E59A-43A2-8E80-CBA56A51A393}" type="datetimeFigureOut">
               <a:rPr lang="en-IE" smtClean="0"/>
-              <a:t>07/11/2025</a:t>
+              <a:t>08/11/2025</a:t>
             </a:fld>
             <a:endParaRPr lang="en-IE"/>
           </a:p>
@@ -464,7 +465,7 @@
           <a:p>
             <a:fld id="{959034B2-E59A-43A2-8E80-CBA56A51A393}" type="datetimeFigureOut">
               <a:rPr lang="en-IE" smtClean="0"/>
-              <a:t>07/11/2025</a:t>
+              <a:t>08/11/2025</a:t>
             </a:fld>
             <a:endParaRPr lang="en-IE"/>
           </a:p>
@@ -674,7 +675,7 @@
           <a:p>
             <a:fld id="{959034B2-E59A-43A2-8E80-CBA56A51A393}" type="datetimeFigureOut">
               <a:rPr lang="en-IE" smtClean="0"/>
-              <a:t>07/11/2025</a:t>
+              <a:t>08/11/2025</a:t>
             </a:fld>
             <a:endParaRPr lang="en-IE"/>
           </a:p>
@@ -874,7 +875,7 @@
           <a:p>
             <a:fld id="{959034B2-E59A-43A2-8E80-CBA56A51A393}" type="datetimeFigureOut">
               <a:rPr lang="en-IE" smtClean="0"/>
-              <a:t>07/11/2025</a:t>
+              <a:t>08/11/2025</a:t>
             </a:fld>
             <a:endParaRPr lang="en-IE"/>
           </a:p>
@@ -1150,7 +1151,7 @@
           <a:p>
             <a:fld id="{959034B2-E59A-43A2-8E80-CBA56A51A393}" type="datetimeFigureOut">
               <a:rPr lang="en-IE" smtClean="0"/>
-              <a:t>07/11/2025</a:t>
+              <a:t>08/11/2025</a:t>
             </a:fld>
             <a:endParaRPr lang="en-IE"/>
           </a:p>
@@ -1418,7 +1419,7 @@
           <a:p>
             <a:fld id="{959034B2-E59A-43A2-8E80-CBA56A51A393}" type="datetimeFigureOut">
               <a:rPr lang="en-IE" smtClean="0"/>
-              <a:t>07/11/2025</a:t>
+              <a:t>08/11/2025</a:t>
             </a:fld>
             <a:endParaRPr lang="en-IE"/>
           </a:p>
@@ -1833,7 +1834,7 @@
           <a:p>
             <a:fld id="{959034B2-E59A-43A2-8E80-CBA56A51A393}" type="datetimeFigureOut">
               <a:rPr lang="en-IE" smtClean="0"/>
-              <a:t>07/11/2025</a:t>
+              <a:t>08/11/2025</a:t>
             </a:fld>
             <a:endParaRPr lang="en-IE"/>
           </a:p>
@@ -1975,7 +1976,7 @@
           <a:p>
             <a:fld id="{959034B2-E59A-43A2-8E80-CBA56A51A393}" type="datetimeFigureOut">
               <a:rPr lang="en-IE" smtClean="0"/>
-              <a:t>07/11/2025</a:t>
+              <a:t>08/11/2025</a:t>
             </a:fld>
             <a:endParaRPr lang="en-IE"/>
           </a:p>
@@ -2088,7 +2089,7 @@
           <a:p>
             <a:fld id="{959034B2-E59A-43A2-8E80-CBA56A51A393}" type="datetimeFigureOut">
               <a:rPr lang="en-IE" smtClean="0"/>
-              <a:t>07/11/2025</a:t>
+              <a:t>08/11/2025</a:t>
             </a:fld>
             <a:endParaRPr lang="en-IE"/>
           </a:p>
@@ -2401,7 +2402,7 @@
           <a:p>
             <a:fld id="{959034B2-E59A-43A2-8E80-CBA56A51A393}" type="datetimeFigureOut">
               <a:rPr lang="en-IE" smtClean="0"/>
-              <a:t>07/11/2025</a:t>
+              <a:t>08/11/2025</a:t>
             </a:fld>
             <a:endParaRPr lang="en-IE"/>
           </a:p>
@@ -2690,7 +2691,7 @@
           <a:p>
             <a:fld id="{959034B2-E59A-43A2-8E80-CBA56A51A393}" type="datetimeFigureOut">
               <a:rPr lang="en-IE" smtClean="0"/>
-              <a:t>07/11/2025</a:t>
+              <a:t>08/11/2025</a:t>
             </a:fld>
             <a:endParaRPr lang="en-IE"/>
           </a:p>
@@ -2933,7 +2934,7 @@
           <a:p>
             <a:fld id="{959034B2-E59A-43A2-8E80-CBA56A51A393}" type="datetimeFigureOut">
               <a:rPr lang="en-IE" smtClean="0"/>
-              <a:t>07/11/2025</a:t>
+              <a:t>08/11/2025</a:t>
             </a:fld>
             <a:endParaRPr lang="en-IE"/>
           </a:p>
@@ -17762,6 +17763,158 @@
           </a:fontRef>
         </p:style>
       </p:cxnSp>
+      <p:sp>
+        <p:nvSpPr>
+          <p:cNvPr id="4" name="Rectangle 3">
+            <a:extLst>
+              <a:ext uri="{FF2B5EF4-FFF2-40B4-BE49-F238E27FC236}">
+                <a16:creationId xmlns:a16="http://schemas.microsoft.com/office/drawing/2014/main" id="{7C07A709-F25D-3EB4-C02B-B3F770B49EB7}"/>
+              </a:ext>
+            </a:extLst>
+          </p:cNvPr>
+          <p:cNvSpPr/>
+          <p:nvPr/>
+        </p:nvSpPr>
+        <p:spPr>
+          <a:xfrm>
+            <a:off x="3997453" y="5011335"/>
+            <a:ext cx="3017782" cy="2944623"/>
+          </a:xfrm>
+          <a:prstGeom prst="rect">
+            <a:avLst/>
+          </a:prstGeom>
+          <a:solidFill>
+            <a:schemeClr val="tx1"/>
+          </a:solidFill>
+        </p:spPr>
+        <p:style>
+          <a:lnRef idx="2">
+            <a:schemeClr val="accent1">
+              <a:shade val="15000"/>
+            </a:schemeClr>
+          </a:lnRef>
+          <a:fillRef idx="1">
+            <a:schemeClr val="accent1"/>
+          </a:fillRef>
+          <a:effectRef idx="0">
+            <a:schemeClr val="accent1"/>
+          </a:effectRef>
+          <a:fontRef idx="minor">
+            <a:schemeClr val="lt1"/>
+          </a:fontRef>
+        </p:style>
+        <p:txBody>
+          <a:bodyPr rtlCol="0" anchor="ctr"/>
+          <a:lstStyle/>
+          <a:p>
+            <a:pPr algn="ctr"/>
+            <a:r>
+              <a:rPr lang="en-IE" dirty="0">
+                <a:solidFill>
+                  <a:srgbClr val="FF0000"/>
+                </a:solidFill>
+              </a:rPr>
+              <a:t>0000000000000000000000000000000000000000000000000000000000000000000000000000000000000000000000000000000000000000000</a:t>
+            </a:r>
+            <a:r>
+              <a:rPr lang="en-IE" dirty="0">
+                <a:solidFill>
+                  <a:srgbClr val="99FF33"/>
+                </a:solidFill>
+              </a:rPr>
+              <a:t>111111111111</a:t>
+            </a:r>
+            <a:r>
+              <a:rPr lang="en-IE" dirty="0">
+                <a:solidFill>
+                  <a:srgbClr val="FF0000"/>
+                </a:solidFill>
+              </a:rPr>
+              <a:t>00000000000</a:t>
+            </a:r>
+            <a:r>
+              <a:rPr lang="en-IE" dirty="0">
+                <a:solidFill>
+                  <a:srgbClr val="99FF33"/>
+                </a:solidFill>
+              </a:rPr>
+              <a:t>111111111111</a:t>
+            </a:r>
+            <a:r>
+              <a:rPr lang="en-IE" dirty="0">
+                <a:solidFill>
+                  <a:srgbClr val="FF0000"/>
+                </a:solidFill>
+              </a:rPr>
+              <a:t>00000000000</a:t>
+            </a:r>
+            <a:r>
+              <a:rPr lang="en-IE" dirty="0">
+                <a:solidFill>
+                  <a:srgbClr val="99FF33"/>
+                </a:solidFill>
+              </a:rPr>
+              <a:t>111111111111</a:t>
+            </a:r>
+            <a:r>
+              <a:rPr lang="en-IE" dirty="0">
+                <a:solidFill>
+                  <a:srgbClr val="FF0000"/>
+                </a:solidFill>
+              </a:rPr>
+              <a:t>00000000000</a:t>
+            </a:r>
+            <a:r>
+              <a:rPr lang="en-IE" dirty="0">
+                <a:solidFill>
+                  <a:srgbClr val="99FF33"/>
+                </a:solidFill>
+              </a:rPr>
+              <a:t>111111111111</a:t>
+            </a:r>
+            <a:r>
+              <a:rPr lang="en-IE" dirty="0">
+                <a:solidFill>
+                  <a:srgbClr val="FF0000"/>
+                </a:solidFill>
+              </a:rPr>
+              <a:t>00000000000</a:t>
+            </a:r>
+            <a:r>
+              <a:rPr lang="en-IE" dirty="0">
+                <a:solidFill>
+                  <a:srgbClr val="99FF33"/>
+                </a:solidFill>
+              </a:rPr>
+              <a:t>111111111111</a:t>
+            </a:r>
+            <a:r>
+              <a:rPr lang="en-IE" dirty="0">
+                <a:solidFill>
+                  <a:srgbClr val="FF0000"/>
+                </a:solidFill>
+              </a:rPr>
+              <a:t>00000000000</a:t>
+            </a:r>
+            <a:r>
+              <a:rPr lang="en-IE" dirty="0">
+                <a:solidFill>
+                  <a:srgbClr val="99FF33"/>
+                </a:solidFill>
+              </a:rPr>
+              <a:t>111111111111</a:t>
+            </a:r>
+            <a:r>
+              <a:rPr lang="en-IE" dirty="0">
+                <a:solidFill>
+                  <a:srgbClr val="FF0000"/>
+                </a:solidFill>
+              </a:rPr>
+              <a:t>00000000000</a:t>
+            </a:r>
+          </a:p>
+        </p:txBody>
+      </p:sp>
     </p:spTree>
     <p:extLst>
       <p:ext uri="{BB962C8B-B14F-4D97-AF65-F5344CB8AC3E}">
@@ -17776,6 +17929,1407 @@
 </file>
 
 <file path=ppt/slides/slide3.xml><?xml version="1.0" encoding="utf-8"?>
+<p:sld xmlns:a="http://schemas.openxmlformats.org/drawingml/2006/main" xmlns:r="http://schemas.openxmlformats.org/officeDocument/2006/relationships" xmlns:p="http://schemas.openxmlformats.org/presentationml/2006/main">
+  <p:cSld>
+    <p:spTree>
+      <p:nvGrpSpPr>
+        <p:cNvPr id="1" name=""/>
+        <p:cNvGrpSpPr/>
+        <p:nvPr/>
+      </p:nvGrpSpPr>
+      <p:grpSpPr>
+        <a:xfrm>
+          <a:off x="0" y="0"/>
+          <a:ext cx="0" cy="0"/>
+          <a:chOff x="0" y="0"/>
+          <a:chExt cx="0" cy="0"/>
+        </a:xfrm>
+      </p:grpSpPr>
+      <p:grpSp>
+        <p:nvGrpSpPr>
+          <p:cNvPr id="4" name="Group 3">
+            <a:extLst>
+              <a:ext uri="{FF2B5EF4-FFF2-40B4-BE49-F238E27FC236}">
+                <a16:creationId xmlns:a16="http://schemas.microsoft.com/office/drawing/2014/main" id="{79015249-9417-7029-3100-9CD7E154B08D}"/>
+              </a:ext>
+            </a:extLst>
+          </p:cNvPr>
+          <p:cNvGrpSpPr/>
+          <p:nvPr/>
+        </p:nvGrpSpPr>
+        <p:grpSpPr>
+          <a:xfrm>
+            <a:off x="2119430" y="2493092"/>
+            <a:ext cx="3017782" cy="2944623"/>
+            <a:chOff x="1749316" y="1263006"/>
+            <a:chExt cx="3017782" cy="2944623"/>
+          </a:xfrm>
+        </p:grpSpPr>
+        <p:pic>
+          <p:nvPicPr>
+            <p:cNvPr id="2" name="Picture 1">
+              <a:extLst>
+                <a:ext uri="{FF2B5EF4-FFF2-40B4-BE49-F238E27FC236}">
+                  <a16:creationId xmlns:a16="http://schemas.microsoft.com/office/drawing/2014/main" id="{0F71FED9-5D4C-9115-78F7-D6BEB0AC0D20}"/>
+                </a:ext>
+              </a:extLst>
+            </p:cNvPr>
+            <p:cNvPicPr>
+              <a:picLocks noChangeAspect="1"/>
+            </p:cNvPicPr>
+            <p:nvPr/>
+          </p:nvPicPr>
+          <p:blipFill>
+            <a:blip r:embed="rId2"/>
+            <a:stretch>
+              <a:fillRect/>
+            </a:stretch>
+          </p:blipFill>
+          <p:spPr>
+            <a:xfrm>
+              <a:off x="1749316" y="1263006"/>
+              <a:ext cx="3017782" cy="2944623"/>
+            </a:xfrm>
+            <a:prstGeom prst="rect">
+              <a:avLst/>
+            </a:prstGeom>
+          </p:spPr>
+        </p:pic>
+        <p:sp>
+          <p:nvSpPr>
+            <p:cNvPr id="3" name="Freeform: Shape 2">
+              <a:extLst>
+                <a:ext uri="{FF2B5EF4-FFF2-40B4-BE49-F238E27FC236}">
+                  <a16:creationId xmlns:a16="http://schemas.microsoft.com/office/drawing/2014/main" id="{A03A9211-3E08-513D-79C9-48E65E6F0823}"/>
+                </a:ext>
+              </a:extLst>
+            </p:cNvPr>
+            <p:cNvSpPr/>
+            <p:nvPr/>
+          </p:nvSpPr>
+          <p:spPr>
+            <a:xfrm rot="9515423">
+              <a:off x="1968656" y="2715367"/>
+              <a:ext cx="1192924" cy="1427265"/>
+            </a:xfrm>
+            <a:custGeom>
+              <a:avLst/>
+              <a:gdLst>
+                <a:gd name="connsiteX0" fmla="*/ 458382 w 1604488"/>
+                <a:gd name="connsiteY0" fmla="*/ 1345324 h 1576552"/>
+                <a:gd name="connsiteX1" fmla="*/ 258685 w 1604488"/>
+                <a:gd name="connsiteY1" fmla="*/ 546538 h 1576552"/>
+                <a:gd name="connsiteX2" fmla="*/ 395320 w 1604488"/>
+                <a:gd name="connsiteY2" fmla="*/ 493986 h 1576552"/>
+                <a:gd name="connsiteX3" fmla="*/ 616037 w 1604488"/>
+                <a:gd name="connsiteY3" fmla="*/ 641131 h 1576552"/>
+                <a:gd name="connsiteX4" fmla="*/ 721141 w 1604488"/>
+                <a:gd name="connsiteY4" fmla="*/ 840828 h 1576552"/>
+                <a:gd name="connsiteX5" fmla="*/ 689610 w 1604488"/>
+                <a:gd name="connsiteY5" fmla="*/ 1198179 h 1576552"/>
+                <a:gd name="connsiteX6" fmla="*/ 658079 w 1604488"/>
+                <a:gd name="connsiteY6" fmla="*/ 1240221 h 1576552"/>
+                <a:gd name="connsiteX7" fmla="*/ 689610 w 1604488"/>
+                <a:gd name="connsiteY7" fmla="*/ 1219200 h 1576552"/>
+                <a:gd name="connsiteX8" fmla="*/ 479403 w 1604488"/>
+                <a:gd name="connsiteY8" fmla="*/ 620110 h 1576552"/>
+                <a:gd name="connsiteX9" fmla="*/ 216644 w 1604488"/>
+                <a:gd name="connsiteY9" fmla="*/ 704193 h 1576552"/>
+                <a:gd name="connsiteX10" fmla="*/ 122051 w 1604488"/>
+                <a:gd name="connsiteY10" fmla="*/ 788276 h 1576552"/>
+                <a:gd name="connsiteX11" fmla="*/ 90520 w 1604488"/>
+                <a:gd name="connsiteY11" fmla="*/ 893379 h 1576552"/>
+                <a:gd name="connsiteX12" fmla="*/ 342768 w 1604488"/>
+                <a:gd name="connsiteY12" fmla="*/ 924910 h 1576552"/>
+                <a:gd name="connsiteX13" fmla="*/ 658079 w 1604488"/>
+                <a:gd name="connsiteY13" fmla="*/ 777766 h 1576552"/>
+                <a:gd name="connsiteX14" fmla="*/ 794713 w 1604488"/>
+                <a:gd name="connsiteY14" fmla="*/ 746235 h 1576552"/>
+                <a:gd name="connsiteX15" fmla="*/ 395320 w 1604488"/>
+                <a:gd name="connsiteY15" fmla="*/ 977462 h 1576552"/>
+                <a:gd name="connsiteX16" fmla="*/ 143072 w 1604488"/>
+                <a:gd name="connsiteY16" fmla="*/ 935421 h 1576552"/>
+                <a:gd name="connsiteX17" fmla="*/ 6437 w 1604488"/>
+                <a:gd name="connsiteY17" fmla="*/ 798786 h 1576552"/>
+                <a:gd name="connsiteX18" fmla="*/ 416341 w 1604488"/>
+                <a:gd name="connsiteY18" fmla="*/ 504497 h 1576552"/>
+                <a:gd name="connsiteX19" fmla="*/ 1141554 w 1604488"/>
+                <a:gd name="connsiteY19" fmla="*/ 767255 h 1576552"/>
+                <a:gd name="connsiteX20" fmla="*/ 920837 w 1604488"/>
+                <a:gd name="connsiteY20" fmla="*/ 430924 h 1576552"/>
+                <a:gd name="connsiteX21" fmla="*/ 616037 w 1604488"/>
+                <a:gd name="connsiteY21" fmla="*/ 73572 h 1576552"/>
+                <a:gd name="connsiteX22" fmla="*/ 489913 w 1604488"/>
+                <a:gd name="connsiteY22" fmla="*/ 0 h 1576552"/>
+                <a:gd name="connsiteX23" fmla="*/ 426851 w 1604488"/>
+                <a:gd name="connsiteY23" fmla="*/ 84083 h 1576552"/>
+                <a:gd name="connsiteX24" fmla="*/ 584506 w 1604488"/>
+                <a:gd name="connsiteY24" fmla="*/ 525517 h 1576552"/>
+                <a:gd name="connsiteX25" fmla="*/ 878796 w 1604488"/>
+                <a:gd name="connsiteY25" fmla="*/ 620110 h 1576552"/>
+                <a:gd name="connsiteX26" fmla="*/ 962879 w 1604488"/>
+                <a:gd name="connsiteY26" fmla="*/ 662152 h 1576552"/>
+                <a:gd name="connsiteX27" fmla="*/ 794713 w 1604488"/>
+                <a:gd name="connsiteY27" fmla="*/ 819807 h 1576552"/>
+                <a:gd name="connsiteX28" fmla="*/ 405830 w 1604488"/>
+                <a:gd name="connsiteY28" fmla="*/ 630621 h 1576552"/>
+                <a:gd name="connsiteX29" fmla="*/ 258685 w 1604488"/>
+                <a:gd name="connsiteY29" fmla="*/ 451945 h 1576552"/>
+                <a:gd name="connsiteX30" fmla="*/ 290217 w 1604488"/>
+                <a:gd name="connsiteY30" fmla="*/ 441435 h 1576552"/>
+                <a:gd name="connsiteX31" fmla="*/ 710630 w 1604488"/>
+                <a:gd name="connsiteY31" fmla="*/ 1103586 h 1576552"/>
+                <a:gd name="connsiteX32" fmla="*/ 721141 w 1604488"/>
+                <a:gd name="connsiteY32" fmla="*/ 1324304 h 1576552"/>
+                <a:gd name="connsiteX33" fmla="*/ 416341 w 1604488"/>
+                <a:gd name="connsiteY33" fmla="*/ 1492469 h 1576552"/>
+                <a:gd name="connsiteX34" fmla="*/ 290217 w 1604488"/>
+                <a:gd name="connsiteY34" fmla="*/ 1481959 h 1576552"/>
+                <a:gd name="connsiteX35" fmla="*/ 37968 w 1604488"/>
+                <a:gd name="connsiteY35" fmla="*/ 1187669 h 1576552"/>
+                <a:gd name="connsiteX36" fmla="*/ 101030 w 1604488"/>
+                <a:gd name="connsiteY36" fmla="*/ 1124607 h 1576552"/>
+                <a:gd name="connsiteX37" fmla="*/ 742161 w 1604488"/>
+                <a:gd name="connsiteY37" fmla="*/ 1145628 h 1576552"/>
+                <a:gd name="connsiteX38" fmla="*/ 1530437 w 1604488"/>
+                <a:gd name="connsiteY38" fmla="*/ 1481959 h 1576552"/>
+                <a:gd name="connsiteX39" fmla="*/ 1519927 w 1604488"/>
+                <a:gd name="connsiteY39" fmla="*/ 1345324 h 1576552"/>
+                <a:gd name="connsiteX40" fmla="*/ 1057472 w 1604488"/>
+                <a:gd name="connsiteY40" fmla="*/ 851338 h 1576552"/>
+                <a:gd name="connsiteX41" fmla="*/ 815734 w 1604488"/>
+                <a:gd name="connsiteY41" fmla="*/ 809297 h 1576552"/>
+                <a:gd name="connsiteX42" fmla="*/ 616037 w 1604488"/>
+                <a:gd name="connsiteY42" fmla="*/ 840828 h 1576552"/>
+                <a:gd name="connsiteX43" fmla="*/ 794713 w 1604488"/>
+                <a:gd name="connsiteY43" fmla="*/ 1030014 h 1576552"/>
+                <a:gd name="connsiteX44" fmla="*/ 878796 w 1604488"/>
+                <a:gd name="connsiteY44" fmla="*/ 1103586 h 1576552"/>
+                <a:gd name="connsiteX45" fmla="*/ 1183596 w 1604488"/>
+                <a:gd name="connsiteY45" fmla="*/ 945931 h 1576552"/>
+                <a:gd name="connsiteX46" fmla="*/ 1110023 w 1604488"/>
+                <a:gd name="connsiteY46" fmla="*/ 578069 h 1576552"/>
+                <a:gd name="connsiteX47" fmla="*/ 910327 w 1604488"/>
+                <a:gd name="connsiteY47" fmla="*/ 451945 h 1576552"/>
+                <a:gd name="connsiteX48" fmla="*/ 805223 w 1604488"/>
+                <a:gd name="connsiteY48" fmla="*/ 409904 h 1576552"/>
+                <a:gd name="connsiteX49" fmla="*/ 1204617 w 1604488"/>
+                <a:gd name="connsiteY49" fmla="*/ 483476 h 1576552"/>
+                <a:gd name="connsiteX50" fmla="*/ 1456865 w 1604488"/>
+                <a:gd name="connsiteY50" fmla="*/ 567559 h 1576552"/>
+                <a:gd name="connsiteX51" fmla="*/ 1509417 w 1604488"/>
+                <a:gd name="connsiteY51" fmla="*/ 651641 h 1576552"/>
+                <a:gd name="connsiteX52" fmla="*/ 1488396 w 1604488"/>
+                <a:gd name="connsiteY52" fmla="*/ 861848 h 1576552"/>
+                <a:gd name="connsiteX53" fmla="*/ 1404313 w 1604488"/>
+                <a:gd name="connsiteY53" fmla="*/ 945931 h 1576552"/>
+                <a:gd name="connsiteX54" fmla="*/ 1110023 w 1604488"/>
+                <a:gd name="connsiteY54" fmla="*/ 977462 h 1576552"/>
+                <a:gd name="connsiteX55" fmla="*/ 794713 w 1604488"/>
+                <a:gd name="connsiteY55" fmla="*/ 924910 h 1576552"/>
+                <a:gd name="connsiteX56" fmla="*/ 626548 w 1604488"/>
+                <a:gd name="connsiteY56" fmla="*/ 966952 h 1576552"/>
+                <a:gd name="connsiteX57" fmla="*/ 637058 w 1604488"/>
+                <a:gd name="connsiteY57" fmla="*/ 1198179 h 1576552"/>
+                <a:gd name="connsiteX58" fmla="*/ 647568 w 1604488"/>
+                <a:gd name="connsiteY58" fmla="*/ 1250731 h 1576552"/>
+                <a:gd name="connsiteX59" fmla="*/ 931348 w 1604488"/>
+                <a:gd name="connsiteY59" fmla="*/ 1566041 h 1576552"/>
+                <a:gd name="connsiteX60" fmla="*/ 1089003 w 1604488"/>
+                <a:gd name="connsiteY60" fmla="*/ 1576552 h 1576552"/>
+                <a:gd name="connsiteX61" fmla="*/ 1152065 w 1604488"/>
+                <a:gd name="connsiteY61" fmla="*/ 1460938 h 1576552"/>
+                <a:gd name="connsiteX62" fmla="*/ 1173085 w 1604488"/>
+                <a:gd name="connsiteY62" fmla="*/ 1334814 h 1576552"/>
+                <a:gd name="connsiteX63" fmla="*/ 910327 w 1604488"/>
+                <a:gd name="connsiteY63" fmla="*/ 1051035 h 1576552"/>
+                <a:gd name="connsiteX64" fmla="*/ 658079 w 1604488"/>
+                <a:gd name="connsiteY64" fmla="*/ 882869 h 1576552"/>
+                <a:gd name="connsiteX65" fmla="*/ 647568 w 1604488"/>
+                <a:gd name="connsiteY65" fmla="*/ 819807 h 1576552"/>
+                <a:gd name="connsiteX66" fmla="*/ 773692 w 1604488"/>
+                <a:gd name="connsiteY66" fmla="*/ 672662 h 1576552"/>
+                <a:gd name="connsiteX67" fmla="*/ 899817 w 1604488"/>
+                <a:gd name="connsiteY67" fmla="*/ 409904 h 1576552"/>
+                <a:gd name="connsiteX68" fmla="*/ 910327 w 1604488"/>
+                <a:gd name="connsiteY68" fmla="*/ 336331 h 1576552"/>
+                <a:gd name="connsiteX69" fmla="*/ 920837 w 1604488"/>
+                <a:gd name="connsiteY69" fmla="*/ 304800 h 1576552"/>
+                <a:gd name="connsiteX70" fmla="*/ 983899 w 1604488"/>
+                <a:gd name="connsiteY70" fmla="*/ 294290 h 1576552"/>
+                <a:gd name="connsiteX71" fmla="*/ 1194106 w 1604488"/>
+                <a:gd name="connsiteY71" fmla="*/ 252248 h 1576552"/>
+                <a:gd name="connsiteX72" fmla="*/ 1236148 w 1604488"/>
+                <a:gd name="connsiteY72" fmla="*/ 262759 h 1576552"/>
+                <a:gd name="connsiteX73" fmla="*/ 1225637 w 1604488"/>
+                <a:gd name="connsiteY73" fmla="*/ 536028 h 1576552"/>
+                <a:gd name="connsiteX74" fmla="*/ 1078492 w 1604488"/>
+                <a:gd name="connsiteY74" fmla="*/ 588579 h 1576552"/>
+                <a:gd name="connsiteX75" fmla="*/ 1036451 w 1604488"/>
+                <a:gd name="connsiteY75" fmla="*/ 609600 h 1576552"/>
+                <a:gd name="connsiteX76" fmla="*/ 983899 w 1604488"/>
+                <a:gd name="connsiteY76" fmla="*/ 683172 h 1576552"/>
+                <a:gd name="connsiteX77" fmla="*/ 1089003 w 1604488"/>
+                <a:gd name="connsiteY77" fmla="*/ 914400 h 1576552"/>
+                <a:gd name="connsiteX78" fmla="*/ 1561968 w 1604488"/>
+                <a:gd name="connsiteY78" fmla="*/ 956441 h 1576552"/>
+                <a:gd name="connsiteX79" fmla="*/ 1593499 w 1604488"/>
+                <a:gd name="connsiteY79" fmla="*/ 987972 h 1576552"/>
+                <a:gd name="connsiteX80" fmla="*/ 1572479 w 1604488"/>
+                <a:gd name="connsiteY80" fmla="*/ 1177159 h 1576552"/>
+                <a:gd name="connsiteX81" fmla="*/ 1362272 w 1604488"/>
+                <a:gd name="connsiteY81" fmla="*/ 1271752 h 1576552"/>
+                <a:gd name="connsiteX82" fmla="*/ 647568 w 1604488"/>
+                <a:gd name="connsiteY82" fmla="*/ 1187669 h 1576552"/>
+                <a:gd name="connsiteX83" fmla="*/ 447872 w 1604488"/>
+                <a:gd name="connsiteY83" fmla="*/ 872359 h 1576552"/>
+                <a:gd name="connsiteX84" fmla="*/ 416341 w 1604488"/>
+                <a:gd name="connsiteY84" fmla="*/ 809297 h 1576552"/>
+                <a:gd name="connsiteX85" fmla="*/ 342768 w 1604488"/>
+                <a:gd name="connsiteY85" fmla="*/ 788276 h 1576552"/>
+                <a:gd name="connsiteX86" fmla="*/ 258685 w 1604488"/>
+                <a:gd name="connsiteY86" fmla="*/ 945931 h 1576552"/>
+                <a:gd name="connsiteX87" fmla="*/ 279706 w 1604488"/>
+                <a:gd name="connsiteY87" fmla="*/ 1387366 h 1576552"/>
+                <a:gd name="connsiteX88" fmla="*/ 374299 w 1604488"/>
+                <a:gd name="connsiteY88" fmla="*/ 1450428 h 1576552"/>
+                <a:gd name="connsiteX89" fmla="*/ 941858 w 1604488"/>
+                <a:gd name="connsiteY89" fmla="*/ 1471448 h 1576552"/>
+                <a:gd name="connsiteX90" fmla="*/ 1404313 w 1604488"/>
+                <a:gd name="connsiteY90" fmla="*/ 1439917 h 1576552"/>
+                <a:gd name="connsiteX91" fmla="*/ 1435844 w 1604488"/>
+                <a:gd name="connsiteY91" fmla="*/ 1429407 h 1576552"/>
+                <a:gd name="connsiteX92" fmla="*/ 1425334 w 1604488"/>
+                <a:gd name="connsiteY92" fmla="*/ 1397876 h 1576552"/>
+                <a:gd name="connsiteX93" fmla="*/ 1278189 w 1604488"/>
+                <a:gd name="connsiteY93" fmla="*/ 1198179 h 1576552"/>
+                <a:gd name="connsiteX94" fmla="*/ 1025941 w 1604488"/>
+                <a:gd name="connsiteY94" fmla="*/ 998483 h 1576552"/>
+                <a:gd name="connsiteX95" fmla="*/ 573996 w 1604488"/>
+                <a:gd name="connsiteY95" fmla="*/ 756745 h 1576552"/>
+                <a:gd name="connsiteX96" fmla="*/ 605527 w 1604488"/>
+                <a:gd name="connsiteY96" fmla="*/ 693683 h 1576552"/>
+                <a:gd name="connsiteX97" fmla="*/ 962879 w 1604488"/>
+                <a:gd name="connsiteY97" fmla="*/ 451945 h 1576552"/>
+                <a:gd name="connsiteX98" fmla="*/ 983899 w 1604488"/>
+                <a:gd name="connsiteY98" fmla="*/ 388883 h 1576552"/>
+                <a:gd name="connsiteX99" fmla="*/ 994410 w 1604488"/>
+                <a:gd name="connsiteY99" fmla="*/ 346841 h 1576552"/>
+                <a:gd name="connsiteX100" fmla="*/ 952368 w 1604488"/>
+                <a:gd name="connsiteY100" fmla="*/ 262759 h 1576552"/>
+                <a:gd name="connsiteX101" fmla="*/ 1215127 w 1604488"/>
+                <a:gd name="connsiteY101" fmla="*/ 283779 h 1576552"/>
+                <a:gd name="connsiteX102" fmla="*/ 1309720 w 1604488"/>
+                <a:gd name="connsiteY102" fmla="*/ 399393 h 1576552"/>
+                <a:gd name="connsiteX103" fmla="*/ 1288699 w 1604488"/>
+                <a:gd name="connsiteY103" fmla="*/ 609600 h 1576552"/>
+                <a:gd name="connsiteX104" fmla="*/ 1267679 w 1604488"/>
+                <a:gd name="connsiteY104" fmla="*/ 672662 h 1576552"/>
+                <a:gd name="connsiteX105" fmla="*/ 1162575 w 1604488"/>
+                <a:gd name="connsiteY105" fmla="*/ 756745 h 1576552"/>
+                <a:gd name="connsiteX106" fmla="*/ 1004920 w 1604488"/>
+                <a:gd name="connsiteY106" fmla="*/ 819807 h 1576552"/>
+                <a:gd name="connsiteX107" fmla="*/ 889306 w 1604488"/>
+                <a:gd name="connsiteY107" fmla="*/ 966952 h 1576552"/>
+                <a:gd name="connsiteX108" fmla="*/ 868285 w 1604488"/>
+                <a:gd name="connsiteY108" fmla="*/ 1040524 h 1576552"/>
+                <a:gd name="connsiteX109" fmla="*/ 857775 w 1604488"/>
+                <a:gd name="connsiteY109" fmla="*/ 1093076 h 1576552"/>
+                <a:gd name="connsiteX110" fmla="*/ 868285 w 1604488"/>
+                <a:gd name="connsiteY110" fmla="*/ 1135117 h 1576552"/>
+              </a:gdLst>
+              <a:ahLst/>
+              <a:cxnLst>
+                <a:cxn ang="0">
+                  <a:pos x="connsiteX0" y="connsiteY0"/>
+                </a:cxn>
+                <a:cxn ang="0">
+                  <a:pos x="connsiteX1" y="connsiteY1"/>
+                </a:cxn>
+                <a:cxn ang="0">
+                  <a:pos x="connsiteX2" y="connsiteY2"/>
+                </a:cxn>
+                <a:cxn ang="0">
+                  <a:pos x="connsiteX3" y="connsiteY3"/>
+                </a:cxn>
+                <a:cxn ang="0">
+                  <a:pos x="connsiteX4" y="connsiteY4"/>
+                </a:cxn>
+                <a:cxn ang="0">
+                  <a:pos x="connsiteX5" y="connsiteY5"/>
+                </a:cxn>
+                <a:cxn ang="0">
+                  <a:pos x="connsiteX6" y="connsiteY6"/>
+                </a:cxn>
+                <a:cxn ang="0">
+                  <a:pos x="connsiteX7" y="connsiteY7"/>
+                </a:cxn>
+                <a:cxn ang="0">
+                  <a:pos x="connsiteX8" y="connsiteY8"/>
+                </a:cxn>
+                <a:cxn ang="0">
+                  <a:pos x="connsiteX9" y="connsiteY9"/>
+                </a:cxn>
+                <a:cxn ang="0">
+                  <a:pos x="connsiteX10" y="connsiteY10"/>
+                </a:cxn>
+                <a:cxn ang="0">
+                  <a:pos x="connsiteX11" y="connsiteY11"/>
+                </a:cxn>
+                <a:cxn ang="0">
+                  <a:pos x="connsiteX12" y="connsiteY12"/>
+                </a:cxn>
+                <a:cxn ang="0">
+                  <a:pos x="connsiteX13" y="connsiteY13"/>
+                </a:cxn>
+                <a:cxn ang="0">
+                  <a:pos x="connsiteX14" y="connsiteY14"/>
+                </a:cxn>
+                <a:cxn ang="0">
+                  <a:pos x="connsiteX15" y="connsiteY15"/>
+                </a:cxn>
+                <a:cxn ang="0">
+                  <a:pos x="connsiteX16" y="connsiteY16"/>
+                </a:cxn>
+                <a:cxn ang="0">
+                  <a:pos x="connsiteX17" y="connsiteY17"/>
+                </a:cxn>
+                <a:cxn ang="0">
+                  <a:pos x="connsiteX18" y="connsiteY18"/>
+                </a:cxn>
+                <a:cxn ang="0">
+                  <a:pos x="connsiteX19" y="connsiteY19"/>
+                </a:cxn>
+                <a:cxn ang="0">
+                  <a:pos x="connsiteX20" y="connsiteY20"/>
+                </a:cxn>
+                <a:cxn ang="0">
+                  <a:pos x="connsiteX21" y="connsiteY21"/>
+                </a:cxn>
+                <a:cxn ang="0">
+                  <a:pos x="connsiteX22" y="connsiteY22"/>
+                </a:cxn>
+                <a:cxn ang="0">
+                  <a:pos x="connsiteX23" y="connsiteY23"/>
+                </a:cxn>
+                <a:cxn ang="0">
+                  <a:pos x="connsiteX24" y="connsiteY24"/>
+                </a:cxn>
+                <a:cxn ang="0">
+                  <a:pos x="connsiteX25" y="connsiteY25"/>
+                </a:cxn>
+                <a:cxn ang="0">
+                  <a:pos x="connsiteX26" y="connsiteY26"/>
+                </a:cxn>
+                <a:cxn ang="0">
+                  <a:pos x="connsiteX27" y="connsiteY27"/>
+                </a:cxn>
+                <a:cxn ang="0">
+                  <a:pos x="connsiteX28" y="connsiteY28"/>
+                </a:cxn>
+                <a:cxn ang="0">
+                  <a:pos x="connsiteX29" y="connsiteY29"/>
+                </a:cxn>
+                <a:cxn ang="0">
+                  <a:pos x="connsiteX30" y="connsiteY30"/>
+                </a:cxn>
+                <a:cxn ang="0">
+                  <a:pos x="connsiteX31" y="connsiteY31"/>
+                </a:cxn>
+                <a:cxn ang="0">
+                  <a:pos x="connsiteX32" y="connsiteY32"/>
+                </a:cxn>
+                <a:cxn ang="0">
+                  <a:pos x="connsiteX33" y="connsiteY33"/>
+                </a:cxn>
+                <a:cxn ang="0">
+                  <a:pos x="connsiteX34" y="connsiteY34"/>
+                </a:cxn>
+                <a:cxn ang="0">
+                  <a:pos x="connsiteX35" y="connsiteY35"/>
+                </a:cxn>
+                <a:cxn ang="0">
+                  <a:pos x="connsiteX36" y="connsiteY36"/>
+                </a:cxn>
+                <a:cxn ang="0">
+                  <a:pos x="connsiteX37" y="connsiteY37"/>
+                </a:cxn>
+                <a:cxn ang="0">
+                  <a:pos x="connsiteX38" y="connsiteY38"/>
+                </a:cxn>
+                <a:cxn ang="0">
+                  <a:pos x="connsiteX39" y="connsiteY39"/>
+                </a:cxn>
+                <a:cxn ang="0">
+                  <a:pos x="connsiteX40" y="connsiteY40"/>
+                </a:cxn>
+                <a:cxn ang="0">
+                  <a:pos x="connsiteX41" y="connsiteY41"/>
+                </a:cxn>
+                <a:cxn ang="0">
+                  <a:pos x="connsiteX42" y="connsiteY42"/>
+                </a:cxn>
+                <a:cxn ang="0">
+                  <a:pos x="connsiteX43" y="connsiteY43"/>
+                </a:cxn>
+                <a:cxn ang="0">
+                  <a:pos x="connsiteX44" y="connsiteY44"/>
+                </a:cxn>
+                <a:cxn ang="0">
+                  <a:pos x="connsiteX45" y="connsiteY45"/>
+                </a:cxn>
+                <a:cxn ang="0">
+                  <a:pos x="connsiteX46" y="connsiteY46"/>
+                </a:cxn>
+                <a:cxn ang="0">
+                  <a:pos x="connsiteX47" y="connsiteY47"/>
+                </a:cxn>
+                <a:cxn ang="0">
+                  <a:pos x="connsiteX48" y="connsiteY48"/>
+                </a:cxn>
+                <a:cxn ang="0">
+                  <a:pos x="connsiteX49" y="connsiteY49"/>
+                </a:cxn>
+                <a:cxn ang="0">
+                  <a:pos x="connsiteX50" y="connsiteY50"/>
+                </a:cxn>
+                <a:cxn ang="0">
+                  <a:pos x="connsiteX51" y="connsiteY51"/>
+                </a:cxn>
+                <a:cxn ang="0">
+                  <a:pos x="connsiteX52" y="connsiteY52"/>
+                </a:cxn>
+                <a:cxn ang="0">
+                  <a:pos x="connsiteX53" y="connsiteY53"/>
+                </a:cxn>
+                <a:cxn ang="0">
+                  <a:pos x="connsiteX54" y="connsiteY54"/>
+                </a:cxn>
+                <a:cxn ang="0">
+                  <a:pos x="connsiteX55" y="connsiteY55"/>
+                </a:cxn>
+                <a:cxn ang="0">
+                  <a:pos x="connsiteX56" y="connsiteY56"/>
+                </a:cxn>
+                <a:cxn ang="0">
+                  <a:pos x="connsiteX57" y="connsiteY57"/>
+                </a:cxn>
+                <a:cxn ang="0">
+                  <a:pos x="connsiteX58" y="connsiteY58"/>
+                </a:cxn>
+                <a:cxn ang="0">
+                  <a:pos x="connsiteX59" y="connsiteY59"/>
+                </a:cxn>
+                <a:cxn ang="0">
+                  <a:pos x="connsiteX60" y="connsiteY60"/>
+                </a:cxn>
+                <a:cxn ang="0">
+                  <a:pos x="connsiteX61" y="connsiteY61"/>
+                </a:cxn>
+                <a:cxn ang="0">
+                  <a:pos x="connsiteX62" y="connsiteY62"/>
+                </a:cxn>
+                <a:cxn ang="0">
+                  <a:pos x="connsiteX63" y="connsiteY63"/>
+                </a:cxn>
+                <a:cxn ang="0">
+                  <a:pos x="connsiteX64" y="connsiteY64"/>
+                </a:cxn>
+                <a:cxn ang="0">
+                  <a:pos x="connsiteX65" y="connsiteY65"/>
+                </a:cxn>
+                <a:cxn ang="0">
+                  <a:pos x="connsiteX66" y="connsiteY66"/>
+                </a:cxn>
+                <a:cxn ang="0">
+                  <a:pos x="connsiteX67" y="connsiteY67"/>
+                </a:cxn>
+                <a:cxn ang="0">
+                  <a:pos x="connsiteX68" y="connsiteY68"/>
+                </a:cxn>
+                <a:cxn ang="0">
+                  <a:pos x="connsiteX69" y="connsiteY69"/>
+                </a:cxn>
+                <a:cxn ang="0">
+                  <a:pos x="connsiteX70" y="connsiteY70"/>
+                </a:cxn>
+                <a:cxn ang="0">
+                  <a:pos x="connsiteX71" y="connsiteY71"/>
+                </a:cxn>
+                <a:cxn ang="0">
+                  <a:pos x="connsiteX72" y="connsiteY72"/>
+                </a:cxn>
+                <a:cxn ang="0">
+                  <a:pos x="connsiteX73" y="connsiteY73"/>
+                </a:cxn>
+                <a:cxn ang="0">
+                  <a:pos x="connsiteX74" y="connsiteY74"/>
+                </a:cxn>
+                <a:cxn ang="0">
+                  <a:pos x="connsiteX75" y="connsiteY75"/>
+                </a:cxn>
+                <a:cxn ang="0">
+                  <a:pos x="connsiteX76" y="connsiteY76"/>
+                </a:cxn>
+                <a:cxn ang="0">
+                  <a:pos x="connsiteX77" y="connsiteY77"/>
+                </a:cxn>
+                <a:cxn ang="0">
+                  <a:pos x="connsiteX78" y="connsiteY78"/>
+                </a:cxn>
+                <a:cxn ang="0">
+                  <a:pos x="connsiteX79" y="connsiteY79"/>
+                </a:cxn>
+                <a:cxn ang="0">
+                  <a:pos x="connsiteX80" y="connsiteY80"/>
+                </a:cxn>
+                <a:cxn ang="0">
+                  <a:pos x="connsiteX81" y="connsiteY81"/>
+                </a:cxn>
+                <a:cxn ang="0">
+                  <a:pos x="connsiteX82" y="connsiteY82"/>
+                </a:cxn>
+                <a:cxn ang="0">
+                  <a:pos x="connsiteX83" y="connsiteY83"/>
+                </a:cxn>
+                <a:cxn ang="0">
+                  <a:pos x="connsiteX84" y="connsiteY84"/>
+                </a:cxn>
+                <a:cxn ang="0">
+                  <a:pos x="connsiteX85" y="connsiteY85"/>
+                </a:cxn>
+                <a:cxn ang="0">
+                  <a:pos x="connsiteX86" y="connsiteY86"/>
+                </a:cxn>
+                <a:cxn ang="0">
+                  <a:pos x="connsiteX87" y="connsiteY87"/>
+                </a:cxn>
+                <a:cxn ang="0">
+                  <a:pos x="connsiteX88" y="connsiteY88"/>
+                </a:cxn>
+                <a:cxn ang="0">
+                  <a:pos x="connsiteX89" y="connsiteY89"/>
+                </a:cxn>
+                <a:cxn ang="0">
+                  <a:pos x="connsiteX90" y="connsiteY90"/>
+                </a:cxn>
+                <a:cxn ang="0">
+                  <a:pos x="connsiteX91" y="connsiteY91"/>
+                </a:cxn>
+                <a:cxn ang="0">
+                  <a:pos x="connsiteX92" y="connsiteY92"/>
+                </a:cxn>
+                <a:cxn ang="0">
+                  <a:pos x="connsiteX93" y="connsiteY93"/>
+                </a:cxn>
+                <a:cxn ang="0">
+                  <a:pos x="connsiteX94" y="connsiteY94"/>
+                </a:cxn>
+                <a:cxn ang="0">
+                  <a:pos x="connsiteX95" y="connsiteY95"/>
+                </a:cxn>
+                <a:cxn ang="0">
+                  <a:pos x="connsiteX96" y="connsiteY96"/>
+                </a:cxn>
+                <a:cxn ang="0">
+                  <a:pos x="connsiteX97" y="connsiteY97"/>
+                </a:cxn>
+                <a:cxn ang="0">
+                  <a:pos x="connsiteX98" y="connsiteY98"/>
+                </a:cxn>
+                <a:cxn ang="0">
+                  <a:pos x="connsiteX99" y="connsiteY99"/>
+                </a:cxn>
+                <a:cxn ang="0">
+                  <a:pos x="connsiteX100" y="connsiteY100"/>
+                </a:cxn>
+                <a:cxn ang="0">
+                  <a:pos x="connsiteX101" y="connsiteY101"/>
+                </a:cxn>
+                <a:cxn ang="0">
+                  <a:pos x="connsiteX102" y="connsiteY102"/>
+                </a:cxn>
+                <a:cxn ang="0">
+                  <a:pos x="connsiteX103" y="connsiteY103"/>
+                </a:cxn>
+                <a:cxn ang="0">
+                  <a:pos x="connsiteX104" y="connsiteY104"/>
+                </a:cxn>
+                <a:cxn ang="0">
+                  <a:pos x="connsiteX105" y="connsiteY105"/>
+                </a:cxn>
+                <a:cxn ang="0">
+                  <a:pos x="connsiteX106" y="connsiteY106"/>
+                </a:cxn>
+                <a:cxn ang="0">
+                  <a:pos x="connsiteX107" y="connsiteY107"/>
+                </a:cxn>
+                <a:cxn ang="0">
+                  <a:pos x="connsiteX108" y="connsiteY108"/>
+                </a:cxn>
+                <a:cxn ang="0">
+                  <a:pos x="connsiteX109" y="connsiteY109"/>
+                </a:cxn>
+                <a:cxn ang="0">
+                  <a:pos x="connsiteX110" y="connsiteY110"/>
+                </a:cxn>
+              </a:cxnLst>
+              <a:rect l="l" t="t" r="r" b="b"/>
+              <a:pathLst>
+                <a:path w="1604488" h="1576552">
+                  <a:moveTo>
+                    <a:pt x="458382" y="1345324"/>
+                  </a:moveTo>
+                  <a:cubicBezTo>
+                    <a:pt x="391816" y="1079062"/>
+                    <a:pt x="278960" y="820245"/>
+                    <a:pt x="258685" y="546538"/>
+                  </a:cubicBezTo>
+                  <a:cubicBezTo>
+                    <a:pt x="255080" y="497874"/>
+                    <a:pt x="348147" y="481499"/>
+                    <a:pt x="395320" y="493986"/>
+                  </a:cubicBezTo>
+                  <a:cubicBezTo>
+                    <a:pt x="480799" y="516613"/>
+                    <a:pt x="542465" y="592083"/>
+                    <a:pt x="616037" y="641131"/>
+                  </a:cubicBezTo>
+                  <a:cubicBezTo>
+                    <a:pt x="651072" y="707697"/>
+                    <a:pt x="711291" y="766253"/>
+                    <a:pt x="721141" y="840828"/>
+                  </a:cubicBezTo>
+                  <a:cubicBezTo>
+                    <a:pt x="736799" y="959378"/>
+                    <a:pt x="708260" y="1080063"/>
+                    <a:pt x="689610" y="1198179"/>
+                  </a:cubicBezTo>
+                  <a:cubicBezTo>
+                    <a:pt x="686878" y="1215482"/>
+                    <a:pt x="658079" y="1222704"/>
+                    <a:pt x="658079" y="1240221"/>
+                  </a:cubicBezTo>
+                  <a:cubicBezTo>
+                    <a:pt x="658079" y="1252853"/>
+                    <a:pt x="679100" y="1226207"/>
+                    <a:pt x="689610" y="1219200"/>
+                  </a:cubicBezTo>
+                  <a:cubicBezTo>
+                    <a:pt x="727533" y="953736"/>
+                    <a:pt x="864468" y="727928"/>
+                    <a:pt x="479403" y="620110"/>
+                  </a:cubicBezTo>
+                  <a:cubicBezTo>
+                    <a:pt x="390847" y="595314"/>
+                    <a:pt x="304230" y="676165"/>
+                    <a:pt x="216644" y="704193"/>
+                  </a:cubicBezTo>
+                  <a:cubicBezTo>
+                    <a:pt x="185113" y="732221"/>
+                    <a:pt x="145452" y="753174"/>
+                    <a:pt x="122051" y="788276"/>
+                  </a:cubicBezTo>
+                  <a:cubicBezTo>
+                    <a:pt x="101762" y="818710"/>
+                    <a:pt x="59420" y="874127"/>
+                    <a:pt x="90520" y="893379"/>
+                  </a:cubicBezTo>
+                  <a:cubicBezTo>
+                    <a:pt x="162569" y="937981"/>
+                    <a:pt x="258685" y="914400"/>
+                    <a:pt x="342768" y="924910"/>
+                  </a:cubicBezTo>
+                  <a:cubicBezTo>
+                    <a:pt x="447872" y="875862"/>
+                    <a:pt x="550218" y="820409"/>
+                    <a:pt x="658079" y="777766"/>
+                  </a:cubicBezTo>
+                  <a:cubicBezTo>
+                    <a:pt x="701547" y="760581"/>
+                    <a:pt x="831927" y="717952"/>
+                    <a:pt x="794713" y="746235"/>
+                  </a:cubicBezTo>
+                  <a:cubicBezTo>
+                    <a:pt x="672237" y="839316"/>
+                    <a:pt x="528451" y="900386"/>
+                    <a:pt x="395320" y="977462"/>
+                  </a:cubicBezTo>
+                  <a:cubicBezTo>
+                    <a:pt x="311237" y="963448"/>
+                    <a:pt x="220530" y="971010"/>
+                    <a:pt x="143072" y="935421"/>
+                  </a:cubicBezTo>
+                  <a:cubicBezTo>
+                    <a:pt x="84544" y="908530"/>
+                    <a:pt x="-28057" y="853181"/>
+                    <a:pt x="6437" y="798786"/>
+                  </a:cubicBezTo>
+                  <a:cubicBezTo>
+                    <a:pt x="96516" y="656738"/>
+                    <a:pt x="279706" y="602593"/>
+                    <a:pt x="416341" y="504497"/>
+                  </a:cubicBezTo>
+                  <a:cubicBezTo>
+                    <a:pt x="658079" y="592083"/>
+                    <a:pt x="887130" y="804359"/>
+                    <a:pt x="1141554" y="767255"/>
+                  </a:cubicBezTo>
+                  <a:cubicBezTo>
+                    <a:pt x="1274246" y="747904"/>
+                    <a:pt x="1007858" y="532948"/>
+                    <a:pt x="920837" y="430924"/>
+                  </a:cubicBezTo>
+                  <a:cubicBezTo>
+                    <a:pt x="819237" y="311807"/>
+                    <a:pt x="726743" y="184278"/>
+                    <a:pt x="616037" y="73572"/>
+                  </a:cubicBezTo>
+                  <a:cubicBezTo>
+                    <a:pt x="581621" y="39156"/>
+                    <a:pt x="531954" y="24524"/>
+                    <a:pt x="489913" y="0"/>
+                  </a:cubicBezTo>
+                  <a:cubicBezTo>
+                    <a:pt x="468892" y="28028"/>
+                    <a:pt x="431334" y="49337"/>
+                    <a:pt x="426851" y="84083"/>
+                  </a:cubicBezTo>
+                  <a:cubicBezTo>
+                    <a:pt x="407805" y="231690"/>
+                    <a:pt x="449120" y="433058"/>
+                    <a:pt x="584506" y="525517"/>
+                  </a:cubicBezTo>
+                  <a:cubicBezTo>
+                    <a:pt x="669596" y="583627"/>
+                    <a:pt x="781882" y="585113"/>
+                    <a:pt x="878796" y="620110"/>
+                  </a:cubicBezTo>
+                  <a:cubicBezTo>
+                    <a:pt x="908269" y="630753"/>
+                    <a:pt x="934851" y="648138"/>
+                    <a:pt x="962879" y="662152"/>
+                  </a:cubicBezTo>
+                  <a:cubicBezTo>
+                    <a:pt x="994676" y="741648"/>
+                    <a:pt x="1061625" y="858631"/>
+                    <a:pt x="794713" y="819807"/>
+                  </a:cubicBezTo>
+                  <a:cubicBezTo>
+                    <a:pt x="652061" y="799058"/>
+                    <a:pt x="535458" y="693683"/>
+                    <a:pt x="405830" y="630621"/>
+                  </a:cubicBezTo>
+                  <a:cubicBezTo>
+                    <a:pt x="356782" y="571062"/>
+                    <a:pt x="298918" y="517781"/>
+                    <a:pt x="258685" y="451945"/>
+                  </a:cubicBezTo>
+                  <a:cubicBezTo>
+                    <a:pt x="252908" y="442491"/>
+                    <a:pt x="283323" y="432762"/>
+                    <a:pt x="290217" y="441435"/>
+                  </a:cubicBezTo>
+                  <a:cubicBezTo>
+                    <a:pt x="546943" y="764412"/>
+                    <a:pt x="553030" y="801519"/>
+                    <a:pt x="710630" y="1103586"/>
+                  </a:cubicBezTo>
+                  <a:cubicBezTo>
+                    <a:pt x="714134" y="1177159"/>
+                    <a:pt x="735586" y="1252078"/>
+                    <a:pt x="721141" y="1324304"/>
+                  </a:cubicBezTo>
+                  <a:cubicBezTo>
+                    <a:pt x="695675" y="1451635"/>
+                    <a:pt x="487676" y="1469772"/>
+                    <a:pt x="416341" y="1492469"/>
+                  </a:cubicBezTo>
+                  <a:cubicBezTo>
+                    <a:pt x="374300" y="1488966"/>
+                    <a:pt x="323070" y="1508424"/>
+                    <a:pt x="290217" y="1481959"/>
+                  </a:cubicBezTo>
+                  <a:cubicBezTo>
+                    <a:pt x="189601" y="1400907"/>
+                    <a:pt x="37968" y="1187669"/>
+                    <a:pt x="37968" y="1187669"/>
+                  </a:cubicBezTo>
+                  <a:cubicBezTo>
+                    <a:pt x="58989" y="1166648"/>
+                    <a:pt x="72292" y="1132214"/>
+                    <a:pt x="101030" y="1124607"/>
+                  </a:cubicBezTo>
+                  <a:cubicBezTo>
+                    <a:pt x="356169" y="1057070"/>
+                    <a:pt x="481983" y="1106207"/>
+                    <a:pt x="742161" y="1145628"/>
+                  </a:cubicBezTo>
+                  <a:cubicBezTo>
+                    <a:pt x="1509082" y="1475829"/>
+                    <a:pt x="1238366" y="1384596"/>
+                    <a:pt x="1530437" y="1481959"/>
+                  </a:cubicBezTo>
+                  <a:cubicBezTo>
+                    <a:pt x="1526934" y="1436414"/>
+                    <a:pt x="1539973" y="1386370"/>
+                    <a:pt x="1519927" y="1345324"/>
+                  </a:cubicBezTo>
+                  <a:cubicBezTo>
+                    <a:pt x="1415192" y="1130865"/>
+                    <a:pt x="1280142" y="950829"/>
+                    <a:pt x="1057472" y="851338"/>
+                  </a:cubicBezTo>
+                  <a:cubicBezTo>
+                    <a:pt x="982798" y="817973"/>
+                    <a:pt x="896313" y="823311"/>
+                    <a:pt x="815734" y="809297"/>
+                  </a:cubicBezTo>
+                  <a:lnTo>
+                    <a:pt x="616037" y="840828"/>
+                  </a:lnTo>
+                  <a:cubicBezTo>
+                    <a:pt x="738945" y="914573"/>
+                    <a:pt x="614161" y="831407"/>
+                    <a:pt x="794713" y="1030014"/>
+                  </a:cubicBezTo>
+                  <a:cubicBezTo>
+                    <a:pt x="819765" y="1057571"/>
+                    <a:pt x="850768" y="1079062"/>
+                    <a:pt x="878796" y="1103586"/>
+                  </a:cubicBezTo>
+                  <a:cubicBezTo>
+                    <a:pt x="980396" y="1051034"/>
+                    <a:pt x="1106302" y="1030251"/>
+                    <a:pt x="1183596" y="945931"/>
+                  </a:cubicBezTo>
+                  <a:cubicBezTo>
+                    <a:pt x="1311109" y="806826"/>
+                    <a:pt x="1210443" y="665100"/>
+                    <a:pt x="1110023" y="578069"/>
+                  </a:cubicBezTo>
+                  <a:cubicBezTo>
+                    <a:pt x="1050528" y="526506"/>
+                    <a:pt x="979261" y="489978"/>
+                    <a:pt x="910327" y="451945"/>
+                  </a:cubicBezTo>
+                  <a:cubicBezTo>
+                    <a:pt x="877288" y="433717"/>
+                    <a:pt x="767704" y="405884"/>
+                    <a:pt x="805223" y="409904"/>
+                  </a:cubicBezTo>
+                  <a:cubicBezTo>
+                    <a:pt x="939824" y="424325"/>
+                    <a:pt x="1073042" y="451643"/>
+                    <a:pt x="1204617" y="483476"/>
+                  </a:cubicBezTo>
+                  <a:cubicBezTo>
+                    <a:pt x="1290763" y="504318"/>
+                    <a:pt x="1372782" y="539531"/>
+                    <a:pt x="1456865" y="567559"/>
+                  </a:cubicBezTo>
+                  <a:cubicBezTo>
+                    <a:pt x="1474382" y="595586"/>
+                    <a:pt x="1496833" y="621079"/>
+                    <a:pt x="1509417" y="651641"/>
+                  </a:cubicBezTo>
+                  <a:cubicBezTo>
+                    <a:pt x="1542621" y="732279"/>
+                    <a:pt x="1537300" y="784416"/>
+                    <a:pt x="1488396" y="861848"/>
+                  </a:cubicBezTo>
+                  <a:cubicBezTo>
+                    <a:pt x="1467230" y="895361"/>
+                    <a:pt x="1442220" y="934348"/>
+                    <a:pt x="1404313" y="945931"/>
+                  </a:cubicBezTo>
+                  <a:cubicBezTo>
+                    <a:pt x="1309961" y="974761"/>
+                    <a:pt x="1208120" y="966952"/>
+                    <a:pt x="1110023" y="977462"/>
+                  </a:cubicBezTo>
+                  <a:cubicBezTo>
+                    <a:pt x="1004920" y="959945"/>
+                    <a:pt x="901241" y="927226"/>
+                    <a:pt x="794713" y="924910"/>
+                  </a:cubicBezTo>
+                  <a:cubicBezTo>
+                    <a:pt x="736946" y="923654"/>
+                    <a:pt x="655422" y="916904"/>
+                    <a:pt x="626548" y="966952"/>
+                  </a:cubicBezTo>
+                  <a:cubicBezTo>
+                    <a:pt x="587992" y="1033783"/>
+                    <a:pt x="631359" y="1121235"/>
+                    <a:pt x="637058" y="1198179"/>
+                  </a:cubicBezTo>
+                  <a:cubicBezTo>
+                    <a:pt x="638378" y="1215994"/>
+                    <a:pt x="644746" y="1233091"/>
+                    <a:pt x="647568" y="1250731"/>
+                  </a:cubicBezTo>
+                  <a:cubicBezTo>
+                    <a:pt x="690183" y="1517075"/>
+                    <a:pt x="616819" y="1477328"/>
+                    <a:pt x="931348" y="1566041"/>
+                  </a:cubicBezTo>
+                  <a:cubicBezTo>
+                    <a:pt x="982039" y="1580338"/>
+                    <a:pt x="1036451" y="1573048"/>
+                    <a:pt x="1089003" y="1576552"/>
+                  </a:cubicBezTo>
+                  <a:cubicBezTo>
+                    <a:pt x="1110024" y="1538014"/>
+                    <a:pt x="1137644" y="1502400"/>
+                    <a:pt x="1152065" y="1460938"/>
+                  </a:cubicBezTo>
+                  <a:cubicBezTo>
+                    <a:pt x="1166067" y="1420682"/>
+                    <a:pt x="1181444" y="1376608"/>
+                    <a:pt x="1173085" y="1334814"/>
+                  </a:cubicBezTo>
+                  <a:cubicBezTo>
+                    <a:pt x="1145571" y="1197246"/>
+                    <a:pt x="1010713" y="1122739"/>
+                    <a:pt x="910327" y="1051035"/>
+                  </a:cubicBezTo>
+                  <a:cubicBezTo>
+                    <a:pt x="828095" y="992298"/>
+                    <a:pt x="658079" y="882869"/>
+                    <a:pt x="658079" y="882869"/>
+                  </a:cubicBezTo>
+                  <a:cubicBezTo>
+                    <a:pt x="654575" y="861848"/>
+                    <a:pt x="642776" y="840572"/>
+                    <a:pt x="647568" y="819807"/>
+                  </a:cubicBezTo>
+                  <a:cubicBezTo>
+                    <a:pt x="667098" y="735179"/>
+                    <a:pt x="722398" y="736779"/>
+                    <a:pt x="773692" y="672662"/>
+                  </a:cubicBezTo>
+                  <a:cubicBezTo>
+                    <a:pt x="858006" y="567269"/>
+                    <a:pt x="859919" y="529597"/>
+                    <a:pt x="899817" y="409904"/>
+                  </a:cubicBezTo>
+                  <a:cubicBezTo>
+                    <a:pt x="903320" y="385380"/>
+                    <a:pt x="905469" y="360623"/>
+                    <a:pt x="910327" y="336331"/>
+                  </a:cubicBezTo>
+                  <a:cubicBezTo>
+                    <a:pt x="912500" y="325467"/>
+                    <a:pt x="911218" y="310297"/>
+                    <a:pt x="920837" y="304800"/>
+                  </a:cubicBezTo>
+                  <a:cubicBezTo>
+                    <a:pt x="939340" y="294227"/>
+                    <a:pt x="963096" y="298913"/>
+                    <a:pt x="983899" y="294290"/>
+                  </a:cubicBezTo>
+                  <a:cubicBezTo>
+                    <a:pt x="1181297" y="250424"/>
+                    <a:pt x="1038427" y="271709"/>
+                    <a:pt x="1194106" y="252248"/>
+                  </a:cubicBezTo>
+                  <a:cubicBezTo>
+                    <a:pt x="1208120" y="255752"/>
+                    <a:pt x="1228135" y="250740"/>
+                    <a:pt x="1236148" y="262759"/>
+                  </a:cubicBezTo>
+                  <a:cubicBezTo>
+                    <a:pt x="1304906" y="365896"/>
+                    <a:pt x="1338390" y="444752"/>
+                    <a:pt x="1225637" y="536028"/>
+                  </a:cubicBezTo>
+                  <a:cubicBezTo>
+                    <a:pt x="1185156" y="568798"/>
+                    <a:pt x="1127033" y="569702"/>
+                    <a:pt x="1078492" y="588579"/>
+                  </a:cubicBezTo>
+                  <a:cubicBezTo>
+                    <a:pt x="1063890" y="594258"/>
+                    <a:pt x="1050465" y="602593"/>
+                    <a:pt x="1036451" y="609600"/>
+                  </a:cubicBezTo>
+                  <a:cubicBezTo>
+                    <a:pt x="1018934" y="634124"/>
+                    <a:pt x="994481" y="654953"/>
+                    <a:pt x="983899" y="683172"/>
+                  </a:cubicBezTo>
+                  <a:cubicBezTo>
+                    <a:pt x="947625" y="779902"/>
+                    <a:pt x="988956" y="861042"/>
+                    <a:pt x="1089003" y="914400"/>
+                  </a:cubicBezTo>
+                  <a:cubicBezTo>
+                    <a:pt x="1158930" y="951694"/>
+                    <a:pt x="1518692" y="954777"/>
+                    <a:pt x="1561968" y="956441"/>
+                  </a:cubicBezTo>
+                  <a:cubicBezTo>
+                    <a:pt x="1572478" y="966951"/>
+                    <a:pt x="1589128" y="973765"/>
+                    <a:pt x="1593499" y="987972"/>
+                  </a:cubicBezTo>
+                  <a:cubicBezTo>
+                    <a:pt x="1604865" y="1024911"/>
+                    <a:pt x="1618178" y="1143381"/>
+                    <a:pt x="1572479" y="1177159"/>
+                  </a:cubicBezTo>
+                  <a:cubicBezTo>
+                    <a:pt x="1510689" y="1222830"/>
+                    <a:pt x="1432341" y="1240221"/>
+                    <a:pt x="1362272" y="1271752"/>
+                  </a:cubicBezTo>
+                  <a:cubicBezTo>
+                    <a:pt x="1124037" y="1243724"/>
+                    <a:pt x="877788" y="1255050"/>
+                    <a:pt x="647568" y="1187669"/>
+                  </a:cubicBezTo>
+                  <a:cubicBezTo>
+                    <a:pt x="520925" y="1150603"/>
+                    <a:pt x="487157" y="970572"/>
+                    <a:pt x="447872" y="872359"/>
+                  </a:cubicBezTo>
+                  <a:cubicBezTo>
+                    <a:pt x="439144" y="850538"/>
+                    <a:pt x="434693" y="823978"/>
+                    <a:pt x="416341" y="809297"/>
+                  </a:cubicBezTo>
+                  <a:cubicBezTo>
+                    <a:pt x="396424" y="793364"/>
+                    <a:pt x="367292" y="795283"/>
+                    <a:pt x="342768" y="788276"/>
+                  </a:cubicBezTo>
+                  <a:cubicBezTo>
+                    <a:pt x="282471" y="833499"/>
+                    <a:pt x="262763" y="835816"/>
+                    <a:pt x="258685" y="945931"/>
+                  </a:cubicBezTo>
+                  <a:cubicBezTo>
+                    <a:pt x="253233" y="1093142"/>
+                    <a:pt x="246800" y="1243776"/>
+                    <a:pt x="279706" y="1387366"/>
+                  </a:cubicBezTo>
+                  <a:cubicBezTo>
+                    <a:pt x="288171" y="1424304"/>
+                    <a:pt x="336705" y="1445654"/>
+                    <a:pt x="374299" y="1450428"/>
+                  </a:cubicBezTo>
+                  <a:cubicBezTo>
+                    <a:pt x="562107" y="1474276"/>
+                    <a:pt x="752672" y="1464441"/>
+                    <a:pt x="941858" y="1471448"/>
+                  </a:cubicBezTo>
+                  <a:lnTo>
+                    <a:pt x="1404313" y="1439917"/>
+                  </a:lnTo>
+                  <a:cubicBezTo>
+                    <a:pt x="1415352" y="1438978"/>
+                    <a:pt x="1430889" y="1439316"/>
+                    <a:pt x="1435844" y="1429407"/>
+                  </a:cubicBezTo>
+                  <a:cubicBezTo>
+                    <a:pt x="1440799" y="1419498"/>
+                    <a:pt x="1431575" y="1407030"/>
+                    <a:pt x="1425334" y="1397876"/>
+                  </a:cubicBezTo>
+                  <a:cubicBezTo>
+                    <a:pt x="1378755" y="1329560"/>
+                    <a:pt x="1336656" y="1256646"/>
+                    <a:pt x="1278189" y="1198179"/>
+                  </a:cubicBezTo>
+                  <a:cubicBezTo>
+                    <a:pt x="1202357" y="1122347"/>
+                    <a:pt x="1115393" y="1057637"/>
+                    <a:pt x="1025941" y="998483"/>
+                  </a:cubicBezTo>
+                  <a:cubicBezTo>
+                    <a:pt x="685139" y="773114"/>
+                    <a:pt x="768794" y="795703"/>
+                    <a:pt x="573996" y="756745"/>
+                  </a:cubicBezTo>
+                  <a:cubicBezTo>
+                    <a:pt x="584506" y="735724"/>
+                    <a:pt x="587030" y="708181"/>
+                    <a:pt x="605527" y="693683"/>
+                  </a:cubicBezTo>
+                  <a:cubicBezTo>
+                    <a:pt x="718715" y="604968"/>
+                    <a:pt x="962879" y="451945"/>
+                    <a:pt x="962879" y="451945"/>
+                  </a:cubicBezTo>
+                  <a:cubicBezTo>
+                    <a:pt x="969886" y="430924"/>
+                    <a:pt x="977532" y="410106"/>
+                    <a:pt x="983899" y="388883"/>
+                  </a:cubicBezTo>
+                  <a:cubicBezTo>
+                    <a:pt x="988050" y="375047"/>
+                    <a:pt x="996005" y="361198"/>
+                    <a:pt x="994410" y="346841"/>
+                  </a:cubicBezTo>
+                  <a:cubicBezTo>
+                    <a:pt x="990982" y="315988"/>
+                    <a:pt x="968934" y="287608"/>
+                    <a:pt x="952368" y="262759"/>
+                  </a:cubicBezTo>
+                  <a:cubicBezTo>
+                    <a:pt x="1024748" y="257933"/>
+                    <a:pt x="1144144" y="231476"/>
+                    <a:pt x="1215127" y="283779"/>
+                  </a:cubicBezTo>
+                  <a:cubicBezTo>
+                    <a:pt x="1255213" y="313316"/>
+                    <a:pt x="1309720" y="399393"/>
+                    <a:pt x="1309720" y="399393"/>
+                  </a:cubicBezTo>
+                  <a:cubicBezTo>
+                    <a:pt x="1324742" y="519576"/>
+                    <a:pt x="1328404" y="466660"/>
+                    <a:pt x="1288699" y="609600"/>
+                  </a:cubicBezTo>
+                  <a:cubicBezTo>
+                    <a:pt x="1282769" y="630949"/>
+                    <a:pt x="1282099" y="655839"/>
+                    <a:pt x="1267679" y="672662"/>
+                  </a:cubicBezTo>
+                  <a:cubicBezTo>
+                    <a:pt x="1238480" y="706727"/>
+                    <a:pt x="1201721" y="734823"/>
+                    <a:pt x="1162575" y="756745"/>
+                  </a:cubicBezTo>
+                  <a:cubicBezTo>
+                    <a:pt x="1113191" y="784400"/>
+                    <a:pt x="1057472" y="798786"/>
+                    <a:pt x="1004920" y="819807"/>
+                  </a:cubicBezTo>
+                  <a:cubicBezTo>
+                    <a:pt x="979752" y="850008"/>
+                    <a:pt x="905007" y="937512"/>
+                    <a:pt x="889306" y="966952"/>
+                  </a:cubicBezTo>
+                  <a:cubicBezTo>
+                    <a:pt x="877303" y="989457"/>
+                    <a:pt x="874471" y="1015780"/>
+                    <a:pt x="868285" y="1040524"/>
+                  </a:cubicBezTo>
+                  <a:cubicBezTo>
+                    <a:pt x="863952" y="1057855"/>
+                    <a:pt x="857775" y="1075212"/>
+                    <a:pt x="857775" y="1093076"/>
+                  </a:cubicBezTo>
+                  <a:cubicBezTo>
+                    <a:pt x="857775" y="1107521"/>
+                    <a:pt x="864782" y="1121103"/>
+                    <a:pt x="868285" y="1135117"/>
+                  </a:cubicBezTo>
+                </a:path>
+              </a:pathLst>
+            </a:custGeom>
+            <a:noFill/>
+            <a:ln w="76200">
+              <a:solidFill>
+                <a:schemeClr val="accent2">
+                  <a:lumMod val="75000"/>
+                </a:schemeClr>
+              </a:solidFill>
+            </a:ln>
+          </p:spPr>
+          <p:style>
+            <a:lnRef idx="2">
+              <a:schemeClr val="accent1">
+                <a:shade val="15000"/>
+              </a:schemeClr>
+            </a:lnRef>
+            <a:fillRef idx="1">
+              <a:schemeClr val="accent1"/>
+            </a:fillRef>
+            <a:effectRef idx="0">
+              <a:schemeClr val="accent1"/>
+            </a:effectRef>
+            <a:fontRef idx="minor">
+              <a:schemeClr val="lt1"/>
+            </a:fontRef>
+          </p:style>
+          <p:txBody>
+            <a:bodyPr rtlCol="0" anchor="ctr"/>
+            <a:lstStyle/>
+            <a:p>
+              <a:pPr algn="ctr"/>
+              <a:endParaRPr lang="en-IE"/>
+            </a:p>
+          </p:txBody>
+        </p:sp>
+      </p:grpSp>
+      <p:sp>
+        <p:nvSpPr>
+          <p:cNvPr id="8" name="Rectangle 7">
+            <a:extLst>
+              <a:ext uri="{FF2B5EF4-FFF2-40B4-BE49-F238E27FC236}">
+                <a16:creationId xmlns:a16="http://schemas.microsoft.com/office/drawing/2014/main" id="{A17ECA5A-00B6-B244-93D7-CE520891C4A9}"/>
+              </a:ext>
+            </a:extLst>
+          </p:cNvPr>
+          <p:cNvSpPr/>
+          <p:nvPr/>
+        </p:nvSpPr>
+        <p:spPr>
+          <a:xfrm>
+            <a:off x="5280791" y="1263005"/>
+            <a:ext cx="3017782" cy="2944623"/>
+          </a:xfrm>
+          <a:prstGeom prst="rect">
+            <a:avLst/>
+          </a:prstGeom>
+          <a:solidFill>
+            <a:schemeClr val="tx1"/>
+          </a:solidFill>
+        </p:spPr>
+        <p:style>
+          <a:lnRef idx="2">
+            <a:schemeClr val="accent1">
+              <a:shade val="15000"/>
+            </a:schemeClr>
+          </a:lnRef>
+          <a:fillRef idx="1">
+            <a:schemeClr val="accent1"/>
+          </a:fillRef>
+          <a:effectRef idx="0">
+            <a:schemeClr val="accent1"/>
+          </a:effectRef>
+          <a:fontRef idx="minor">
+            <a:schemeClr val="lt1"/>
+          </a:fontRef>
+        </p:style>
+        <p:txBody>
+          <a:bodyPr rtlCol="0" anchor="ctr"/>
+          <a:lstStyle/>
+          <a:p>
+            <a:pPr algn="ctr"/>
+            <a:r>
+              <a:rPr lang="en-IE" dirty="0">
+                <a:solidFill>
+                  <a:srgbClr val="FF0000"/>
+                </a:solidFill>
+              </a:rPr>
+              <a:t>0000000000000000000000000000000000000000000000000000000000000000000000000000000000000000000000000000000000000000000</a:t>
+            </a:r>
+            <a:r>
+              <a:rPr lang="en-IE" dirty="0">
+                <a:solidFill>
+                  <a:srgbClr val="99FF33"/>
+                </a:solidFill>
+              </a:rPr>
+              <a:t>111111111111</a:t>
+            </a:r>
+            <a:r>
+              <a:rPr lang="en-IE" dirty="0">
+                <a:solidFill>
+                  <a:srgbClr val="FF0000"/>
+                </a:solidFill>
+              </a:rPr>
+              <a:t>00000000000</a:t>
+            </a:r>
+            <a:r>
+              <a:rPr lang="en-IE" dirty="0">
+                <a:solidFill>
+                  <a:srgbClr val="99FF33"/>
+                </a:solidFill>
+              </a:rPr>
+              <a:t>111111111111</a:t>
+            </a:r>
+            <a:r>
+              <a:rPr lang="en-IE" dirty="0">
+                <a:solidFill>
+                  <a:srgbClr val="FF0000"/>
+                </a:solidFill>
+              </a:rPr>
+              <a:t>00000000000</a:t>
+            </a:r>
+            <a:r>
+              <a:rPr lang="en-IE" dirty="0">
+                <a:solidFill>
+                  <a:srgbClr val="99FF33"/>
+                </a:solidFill>
+              </a:rPr>
+              <a:t>111111111111</a:t>
+            </a:r>
+            <a:r>
+              <a:rPr lang="en-IE" dirty="0">
+                <a:solidFill>
+                  <a:srgbClr val="FF0000"/>
+                </a:solidFill>
+              </a:rPr>
+              <a:t>00000000000</a:t>
+            </a:r>
+            <a:r>
+              <a:rPr lang="en-IE" dirty="0">
+                <a:solidFill>
+                  <a:srgbClr val="99FF33"/>
+                </a:solidFill>
+              </a:rPr>
+              <a:t>111111111111</a:t>
+            </a:r>
+            <a:r>
+              <a:rPr lang="en-IE" dirty="0">
+                <a:solidFill>
+                  <a:srgbClr val="FF0000"/>
+                </a:solidFill>
+              </a:rPr>
+              <a:t>00000000000</a:t>
+            </a:r>
+            <a:r>
+              <a:rPr lang="en-IE" dirty="0">
+                <a:solidFill>
+                  <a:srgbClr val="99FF33"/>
+                </a:solidFill>
+              </a:rPr>
+              <a:t>111111111111</a:t>
+            </a:r>
+            <a:r>
+              <a:rPr lang="en-IE" dirty="0">
+                <a:solidFill>
+                  <a:srgbClr val="FF0000"/>
+                </a:solidFill>
+              </a:rPr>
+              <a:t>00000000000</a:t>
+            </a:r>
+            <a:r>
+              <a:rPr lang="en-IE" dirty="0">
+                <a:solidFill>
+                  <a:srgbClr val="99FF33"/>
+                </a:solidFill>
+              </a:rPr>
+              <a:t>111111111111</a:t>
+            </a:r>
+            <a:r>
+              <a:rPr lang="en-IE" dirty="0">
+                <a:solidFill>
+                  <a:srgbClr val="FF0000"/>
+                </a:solidFill>
+              </a:rPr>
+              <a:t>00000000000</a:t>
+            </a:r>
+          </a:p>
+        </p:txBody>
+      </p:sp>
+    </p:spTree>
+    <p:extLst>
+      <p:ext uri="{BB962C8B-B14F-4D97-AF65-F5344CB8AC3E}">
+        <p14:creationId xmlns:p14="http://schemas.microsoft.com/office/powerpoint/2010/main" val="589383765"/>
+      </p:ext>
+    </p:extLst>
+  </p:cSld>
+  <p:clrMapOvr>
+    <a:masterClrMapping/>
+  </p:clrMapOvr>
+</p:sld>
+</file>
+
+<file path=ppt/slides/slide4.xml><?xml version="1.0" encoding="utf-8"?>
 <p:sld xmlns:a="http://schemas.openxmlformats.org/drawingml/2006/main" xmlns:r="http://schemas.openxmlformats.org/officeDocument/2006/relationships" xmlns:p="http://schemas.openxmlformats.org/presentationml/2006/main">
   <p:cSld>
     <p:spTree>
@@ -18187,7 +19741,7 @@
 </p:sld>
 </file>
 
-<file path=ppt/slides/slide4.xml><?xml version="1.0" encoding="utf-8"?>
+<file path=ppt/slides/slide5.xml><?xml version="1.0" encoding="utf-8"?>
 <p:sld xmlns:a="http://schemas.openxmlformats.org/drawingml/2006/main" xmlns:r="http://schemas.openxmlformats.org/officeDocument/2006/relationships" xmlns:p="http://schemas.openxmlformats.org/presentationml/2006/main">
   <p:cSld>
     <p:spTree>

--- a/presentation/05nov2025.pptx
+++ b/presentation/05nov2025.pptx
@@ -265,7 +265,7 @@
           <a:p>
             <a:fld id="{959034B2-E59A-43A2-8E80-CBA56A51A393}" type="datetimeFigureOut">
               <a:rPr lang="en-IE" smtClean="0"/>
-              <a:t>08/11/2025</a:t>
+              <a:t>09/11/2025</a:t>
             </a:fld>
             <a:endParaRPr lang="en-IE"/>
           </a:p>
@@ -465,7 +465,7 @@
           <a:p>
             <a:fld id="{959034B2-E59A-43A2-8E80-CBA56A51A393}" type="datetimeFigureOut">
               <a:rPr lang="en-IE" smtClean="0"/>
-              <a:t>08/11/2025</a:t>
+              <a:t>09/11/2025</a:t>
             </a:fld>
             <a:endParaRPr lang="en-IE"/>
           </a:p>
@@ -675,7 +675,7 @@
           <a:p>
             <a:fld id="{959034B2-E59A-43A2-8E80-CBA56A51A393}" type="datetimeFigureOut">
               <a:rPr lang="en-IE" smtClean="0"/>
-              <a:t>08/11/2025</a:t>
+              <a:t>09/11/2025</a:t>
             </a:fld>
             <a:endParaRPr lang="en-IE"/>
           </a:p>
@@ -875,7 +875,7 @@
           <a:p>
             <a:fld id="{959034B2-E59A-43A2-8E80-CBA56A51A393}" type="datetimeFigureOut">
               <a:rPr lang="en-IE" smtClean="0"/>
-              <a:t>08/11/2025</a:t>
+              <a:t>09/11/2025</a:t>
             </a:fld>
             <a:endParaRPr lang="en-IE"/>
           </a:p>
@@ -1151,7 +1151,7 @@
           <a:p>
             <a:fld id="{959034B2-E59A-43A2-8E80-CBA56A51A393}" type="datetimeFigureOut">
               <a:rPr lang="en-IE" smtClean="0"/>
-              <a:t>08/11/2025</a:t>
+              <a:t>09/11/2025</a:t>
             </a:fld>
             <a:endParaRPr lang="en-IE"/>
           </a:p>
@@ -1419,7 +1419,7 @@
           <a:p>
             <a:fld id="{959034B2-E59A-43A2-8E80-CBA56A51A393}" type="datetimeFigureOut">
               <a:rPr lang="en-IE" smtClean="0"/>
-              <a:t>08/11/2025</a:t>
+              <a:t>09/11/2025</a:t>
             </a:fld>
             <a:endParaRPr lang="en-IE"/>
           </a:p>
@@ -1834,7 +1834,7 @@
           <a:p>
             <a:fld id="{959034B2-E59A-43A2-8E80-CBA56A51A393}" type="datetimeFigureOut">
               <a:rPr lang="en-IE" smtClean="0"/>
-              <a:t>08/11/2025</a:t>
+              <a:t>09/11/2025</a:t>
             </a:fld>
             <a:endParaRPr lang="en-IE"/>
           </a:p>
@@ -1976,7 +1976,7 @@
           <a:p>
             <a:fld id="{959034B2-E59A-43A2-8E80-CBA56A51A393}" type="datetimeFigureOut">
               <a:rPr lang="en-IE" smtClean="0"/>
-              <a:t>08/11/2025</a:t>
+              <a:t>09/11/2025</a:t>
             </a:fld>
             <a:endParaRPr lang="en-IE"/>
           </a:p>
@@ -2089,7 +2089,7 @@
           <a:p>
             <a:fld id="{959034B2-E59A-43A2-8E80-CBA56A51A393}" type="datetimeFigureOut">
               <a:rPr lang="en-IE" smtClean="0"/>
-              <a:t>08/11/2025</a:t>
+              <a:t>09/11/2025</a:t>
             </a:fld>
             <a:endParaRPr lang="en-IE"/>
           </a:p>
@@ -2402,7 +2402,7 @@
           <a:p>
             <a:fld id="{959034B2-E59A-43A2-8E80-CBA56A51A393}" type="datetimeFigureOut">
               <a:rPr lang="en-IE" smtClean="0"/>
-              <a:t>08/11/2025</a:t>
+              <a:t>09/11/2025</a:t>
             </a:fld>
             <a:endParaRPr lang="en-IE"/>
           </a:p>
@@ -2691,7 +2691,7 @@
           <a:p>
             <a:fld id="{959034B2-E59A-43A2-8E80-CBA56A51A393}" type="datetimeFigureOut">
               <a:rPr lang="en-IE" smtClean="0"/>
-              <a:t>08/11/2025</a:t>
+              <a:t>09/11/2025</a:t>
             </a:fld>
             <a:endParaRPr lang="en-IE"/>
           </a:p>
@@ -2934,7 +2934,7 @@
           <a:p>
             <a:fld id="{959034B2-E59A-43A2-8E80-CBA56A51A393}" type="datetimeFigureOut">
               <a:rPr lang="en-IE" smtClean="0"/>
-              <a:t>08/11/2025</a:t>
+              <a:t>09/11/2025</a:t>
             </a:fld>
             <a:endParaRPr lang="en-IE"/>
           </a:p>
@@ -3396,7 +3396,10 @@
           <a:lstStyle/>
           <a:p>
             <a:pPr algn="ctr"/>
-            <a:endParaRPr lang="en-IE"/>
+            <a:r>
+              <a:rPr lang="en-IE" dirty="0"/>
+              <a:t>NODE</a:t>
+            </a:r>
           </a:p>
         </p:txBody>
       </p:sp>
@@ -4797,7 +4800,7 @@
                 <a:avLst/>
               </a:prstGeom>
               <a:grpFill/>
-              <a:ln w="12700">
+              <a:ln w="38100">
                 <a:solidFill>
                   <a:schemeClr val="tx1"/>
                 </a:solidFill>
@@ -4842,7 +4845,7 @@
                 <a:avLst/>
               </a:prstGeom>
               <a:grpFill/>
-              <a:ln w="12700">
+              <a:ln w="38100">
                 <a:solidFill>
                   <a:schemeClr val="tx1"/>
                 </a:solidFill>
@@ -4888,7 +4891,7 @@
                 <a:avLst/>
               </a:prstGeom>
               <a:grpFill/>
-              <a:ln w="12700">
+              <a:ln w="38100">
                 <a:solidFill>
                   <a:schemeClr val="tx1"/>
                 </a:solidFill>
@@ -4934,7 +4937,7 @@
                 <a:avLst/>
               </a:prstGeom>
               <a:grpFill/>
-              <a:ln w="12700">
+              <a:ln w="38100">
                 <a:solidFill>
                   <a:schemeClr val="tx1"/>
                 </a:solidFill>
@@ -4980,7 +4983,7 @@
                 <a:avLst/>
               </a:prstGeom>
               <a:grpFill/>
-              <a:ln w="12700">
+              <a:ln w="38100">
                 <a:solidFill>
                   <a:schemeClr val="tx1"/>
                 </a:solidFill>
@@ -5026,7 +5029,7 @@
                 <a:avLst/>
               </a:prstGeom>
               <a:grpFill/>
-              <a:ln w="12700">
+              <a:ln w="38100">
                 <a:solidFill>
                   <a:schemeClr val="tx1"/>
                 </a:solidFill>
@@ -5072,7 +5075,7 @@
                 <a:avLst/>
               </a:prstGeom>
               <a:grpFill/>
-              <a:ln w="12700">
+              <a:ln w="38100">
                 <a:solidFill>
                   <a:schemeClr val="tx1"/>
                 </a:solidFill>
@@ -5118,7 +5121,7 @@
                 <a:avLst/>
               </a:prstGeom>
               <a:grpFill/>
-              <a:ln w="12700">
+              <a:ln w="38100">
                 <a:solidFill>
                   <a:schemeClr val="tx1"/>
                 </a:solidFill>
@@ -5641,7 +5644,7 @@
                 <a:avLst/>
               </a:prstGeom>
               <a:grpFill/>
-              <a:ln w="12700">
+              <a:ln w="38100">
                 <a:solidFill>
                   <a:schemeClr val="tx1"/>
                 </a:solidFill>
@@ -5686,7 +5689,7 @@
                 <a:avLst/>
               </a:prstGeom>
               <a:grpFill/>
-              <a:ln w="12700">
+              <a:ln w="38100">
                 <a:solidFill>
                   <a:schemeClr val="tx1"/>
                 </a:solidFill>
@@ -5732,7 +5735,7 @@
                 <a:avLst/>
               </a:prstGeom>
               <a:grpFill/>
-              <a:ln w="12700">
+              <a:ln w="38100">
                 <a:solidFill>
                   <a:schemeClr val="tx1"/>
                 </a:solidFill>
@@ -5778,7 +5781,7 @@
                 <a:avLst/>
               </a:prstGeom>
               <a:grpFill/>
-              <a:ln w="12700">
+              <a:ln w="38100">
                 <a:solidFill>
                   <a:schemeClr val="tx1"/>
                 </a:solidFill>
@@ -5824,7 +5827,7 @@
                 <a:avLst/>
               </a:prstGeom>
               <a:grpFill/>
-              <a:ln w="12700">
+              <a:ln w="38100">
                 <a:solidFill>
                   <a:schemeClr val="tx1"/>
                 </a:solidFill>
@@ -5870,7 +5873,7 @@
                 <a:avLst/>
               </a:prstGeom>
               <a:grpFill/>
-              <a:ln w="12700">
+              <a:ln w="38100">
                 <a:solidFill>
                   <a:schemeClr val="tx1"/>
                 </a:solidFill>
@@ -5916,7 +5919,7 @@
                 <a:avLst/>
               </a:prstGeom>
               <a:grpFill/>
-              <a:ln w="12700">
+              <a:ln w="38100">
                 <a:solidFill>
                   <a:schemeClr val="tx1"/>
                 </a:solidFill>
@@ -5962,7 +5965,7 @@
                 <a:avLst/>
               </a:prstGeom>
               <a:grpFill/>
-              <a:ln w="12700">
+              <a:ln w="38100">
                 <a:solidFill>
                   <a:schemeClr val="tx1"/>
                 </a:solidFill>
@@ -6174,7 +6177,7 @@
             </p:nvSpPr>
             <p:spPr>
               <a:xfrm>
-                <a:off x="4145468" y="1175018"/>
+                <a:off x="4147890" y="1175018"/>
                 <a:ext cx="91440" cy="91440"/>
               </a:xfrm>
               <a:prstGeom prst="ellipse">
@@ -6206,7 +6209,7 @@
               <a:lstStyle/>
               <a:p>
                 <a:pPr algn="ctr"/>
-                <a:endParaRPr lang="en-IE"/>
+                <a:endParaRPr lang="en-IE" dirty="0"/>
               </a:p>
             </p:txBody>
           </p:sp>
@@ -6485,7 +6488,7 @@
                 <a:avLst/>
               </a:prstGeom>
               <a:grpFill/>
-              <a:ln w="12700">
+              <a:ln w="38100">
                 <a:solidFill>
                   <a:schemeClr val="tx1"/>
                 </a:solidFill>
@@ -6530,7 +6533,7 @@
                 <a:avLst/>
               </a:prstGeom>
               <a:grpFill/>
-              <a:ln w="12700">
+              <a:ln w="38100">
                 <a:solidFill>
                   <a:schemeClr val="tx1"/>
                 </a:solidFill>
@@ -6576,7 +6579,7 @@
                 <a:avLst/>
               </a:prstGeom>
               <a:grpFill/>
-              <a:ln w="12700">
+              <a:ln w="38100">
                 <a:solidFill>
                   <a:schemeClr val="tx1"/>
                 </a:solidFill>
@@ -6622,7 +6625,7 @@
                 <a:avLst/>
               </a:prstGeom>
               <a:grpFill/>
-              <a:ln w="12700">
+              <a:ln w="38100">
                 <a:solidFill>
                   <a:schemeClr val="tx1"/>
                 </a:solidFill>
@@ -6668,7 +6671,7 @@
                 <a:avLst/>
               </a:prstGeom>
               <a:grpFill/>
-              <a:ln w="12700">
+              <a:ln w="38100">
                 <a:solidFill>
                   <a:schemeClr val="tx1"/>
                 </a:solidFill>
@@ -6714,7 +6717,7 @@
                 <a:avLst/>
               </a:prstGeom>
               <a:grpFill/>
-              <a:ln w="12700">
+              <a:ln w="38100">
                 <a:solidFill>
                   <a:schemeClr val="tx1"/>
                 </a:solidFill>
@@ -6754,13 +6757,13 @@
             <p:spPr>
               <a:xfrm>
                 <a:off x="4056388" y="1218114"/>
-                <a:ext cx="89080" cy="2624"/>
+                <a:ext cx="91502" cy="2624"/>
               </a:xfrm>
               <a:prstGeom prst="line">
                 <a:avLst/>
               </a:prstGeom>
               <a:grpFill/>
-              <a:ln w="12700">
+              <a:ln w="38100">
                 <a:solidFill>
                   <a:schemeClr val="tx1"/>
                 </a:solidFill>
@@ -6799,14 +6802,14 @@
             </p:nvCxnSpPr>
             <p:spPr>
               <a:xfrm flipH="1">
-                <a:off x="4236908" y="1218114"/>
-                <a:ext cx="86088" cy="2624"/>
+                <a:off x="4239330" y="1218114"/>
+                <a:ext cx="83666" cy="2624"/>
               </a:xfrm>
               <a:prstGeom prst="line">
                 <a:avLst/>
               </a:prstGeom>
               <a:grpFill/>
-              <a:ln w="12700">
+              <a:ln w="38100">
                 <a:solidFill>
                   <a:schemeClr val="tx1"/>
                 </a:solidFill>
@@ -6842,10 +6845,10 @@
           </p:nvGrpSpPr>
           <p:grpSpPr>
             <a:xfrm>
-              <a:off x="3509471" y="1736749"/>
-              <a:ext cx="1498789" cy="95681"/>
-              <a:chOff x="2915647" y="1169240"/>
-              <a:chExt cx="1498789" cy="95681"/>
+              <a:off x="3509471" y="1739903"/>
+              <a:ext cx="1498789" cy="92527"/>
+              <a:chOff x="2915647" y="1172394"/>
+              <a:chExt cx="1498789" cy="92527"/>
             </a:xfrm>
             <a:solidFill>
               <a:schemeClr val="tx1">
@@ -7018,7 +7021,7 @@
             </p:nvSpPr>
             <p:spPr>
               <a:xfrm>
-                <a:off x="4145468" y="1169240"/>
+                <a:off x="4150599" y="1172456"/>
                 <a:ext cx="91440" cy="91440"/>
               </a:xfrm>
               <a:prstGeom prst="ellipse">
@@ -7329,7 +7332,7 @@
                 <a:avLst/>
               </a:prstGeom>
               <a:grpFill/>
-              <a:ln w="12700">
+              <a:ln w="38100">
                 <a:solidFill>
                   <a:schemeClr val="tx1"/>
                 </a:solidFill>
@@ -7374,7 +7377,7 @@
                 <a:avLst/>
               </a:prstGeom>
               <a:grpFill/>
-              <a:ln w="12700">
+              <a:ln w="38100">
                 <a:solidFill>
                   <a:schemeClr val="tx1"/>
                 </a:solidFill>
@@ -7420,7 +7423,7 @@
                 <a:avLst/>
               </a:prstGeom>
               <a:grpFill/>
-              <a:ln w="12700">
+              <a:ln w="38100">
                 <a:solidFill>
                   <a:schemeClr val="tx1"/>
                 </a:solidFill>
@@ -7466,7 +7469,7 @@
                 <a:avLst/>
               </a:prstGeom>
               <a:grpFill/>
-              <a:ln w="12700">
+              <a:ln w="38100">
                 <a:solidFill>
                   <a:schemeClr val="tx1"/>
                 </a:solidFill>
@@ -7512,7 +7515,7 @@
                 <a:avLst/>
               </a:prstGeom>
               <a:grpFill/>
-              <a:ln w="12700">
+              <a:ln w="38100">
                 <a:solidFill>
                   <a:schemeClr val="tx1"/>
                 </a:solidFill>
@@ -7558,7 +7561,7 @@
                 <a:avLst/>
               </a:prstGeom>
               <a:grpFill/>
-              <a:ln w="12700">
+              <a:ln w="38100">
                 <a:solidFill>
                   <a:schemeClr val="tx1"/>
                 </a:solidFill>
@@ -7596,15 +7599,15 @@
               <p:nvPr/>
             </p:nvCxnSpPr>
             <p:spPr>
-              <a:xfrm flipV="1">
-                <a:off x="4056388" y="1214960"/>
-                <a:ext cx="89080" cy="3154"/>
+              <a:xfrm>
+                <a:off x="4056388" y="1218114"/>
+                <a:ext cx="94211" cy="62"/>
               </a:xfrm>
               <a:prstGeom prst="line">
                 <a:avLst/>
               </a:prstGeom>
               <a:grpFill/>
-              <a:ln w="12700">
+              <a:ln w="38100">
                 <a:solidFill>
                   <a:schemeClr val="tx1"/>
                 </a:solidFill>
@@ -7642,15 +7645,15 @@
               <p:nvPr/>
             </p:nvCxnSpPr>
             <p:spPr>
-              <a:xfrm flipH="1" flipV="1">
-                <a:off x="4236908" y="1214960"/>
-                <a:ext cx="86088" cy="3154"/>
+              <a:xfrm flipH="1">
+                <a:off x="4242039" y="1218114"/>
+                <a:ext cx="80957" cy="62"/>
               </a:xfrm>
               <a:prstGeom prst="line">
                 <a:avLst/>
               </a:prstGeom>
               <a:grpFill/>
-              <a:ln w="12700">
+              <a:ln w="38100">
                 <a:solidFill>
                   <a:schemeClr val="tx1"/>
                 </a:solidFill>
@@ -8097,8 +8100,8 @@
         </p:nvSpPr>
         <p:spPr>
           <a:xfrm>
-            <a:off x="2212125" y="3701578"/>
-            <a:ext cx="5458882" cy="1938992"/>
+            <a:off x="1894326" y="3810390"/>
+            <a:ext cx="5236396" cy="1631216"/>
           </a:xfrm>
           <a:prstGeom prst="rect">
             <a:avLst/>
@@ -8111,45 +8114,14 @@
           </a:bodyPr>
           <a:lstStyle/>
           <a:p>
-            <a:r>
-              <a:rPr lang="en-IE" sz="2000" dirty="0" err="1"/>
-              <a:t>lat</a:t>
-            </a:r>
+            <a:pPr algn="just"/>
             <a:r>
               <a:rPr lang="en-IE" sz="2000" dirty="0"/>
-              <a:t>, </a:t>
-            </a:r>
-            <a:r>
-              <a:rPr lang="en-IE" sz="2000" dirty="0" err="1"/>
-              <a:t>lon</a:t>
-            </a:r>
-            <a:r>
-              <a:rPr lang="en-IE" sz="2000" dirty="0"/>
-              <a:t>, temperature,</a:t>
+              <a:t>latitude, longitude, sea surface temperature,  water depth, is substrate rocky,  biodiversity, water salinity, water pH, wave height,  oxygen content, nitrogen content, etc.</a:t>
             </a:r>
           </a:p>
           <a:p>
-            <a:r>
-              <a:rPr lang="en-IE" sz="2000" dirty="0"/>
-              <a:t>Depth,</a:t>
-            </a:r>
-          </a:p>
-          <a:p>
-            <a:r>
-              <a:rPr lang="en-IE" sz="2000" dirty="0"/>
-              <a:t>Substrate, Biodiversity, Salinity, pH,</a:t>
-            </a:r>
-          </a:p>
-          <a:p>
-            <a:r>
-              <a:rPr lang="en-IE" sz="2000" dirty="0"/>
-              <a:t>Wave Height,  O2 Content, …</a:t>
-            </a:r>
-          </a:p>
-          <a:p>
-            <a:endParaRPr lang="en-IE" sz="2000" dirty="0"/>
-          </a:p>
-          <a:p>
+            <a:pPr algn="just"/>
             <a:r>
               <a:rPr lang="en-IE" sz="2000" b="1" dirty="0"/>
               <a:t>TARGET: </a:t>
@@ -8224,8 +8196,8 @@
         </p:nvSpPr>
         <p:spPr>
           <a:xfrm>
-            <a:off x="7151874" y="3747185"/>
-            <a:ext cx="3937035" cy="1938992"/>
+            <a:off x="8492359" y="3747185"/>
+            <a:ext cx="2596550" cy="1323439"/>
           </a:xfrm>
           <a:prstGeom prst="rect">
             <a:avLst/>
@@ -8240,52 +8212,77 @@
           <a:p>
             <a:r>
               <a:rPr lang="en-IE" sz="2000" dirty="0"/>
-              <a:t>Net directions and magnitude of</a:t>
+              <a:t>Net direction and magnitude of water current, wind, marine traffic, etc.</a:t>
             </a:r>
           </a:p>
+        </p:txBody>
+      </p:sp>
+      <p:sp>
+        <p:nvSpPr>
+          <p:cNvPr id="26" name="TextBox 25">
+            <a:extLst>
+              <a:ext uri="{FF2B5EF4-FFF2-40B4-BE49-F238E27FC236}">
+                <a16:creationId xmlns:a16="http://schemas.microsoft.com/office/drawing/2014/main" id="{2771661B-4E12-652C-1EE9-7A186FF77A17}"/>
+              </a:ext>
+            </a:extLst>
+          </p:cNvPr>
+          <p:cNvSpPr txBox="1"/>
+          <p:nvPr/>
+        </p:nvSpPr>
+        <p:spPr>
+          <a:xfrm>
+            <a:off x="6290427" y="3109609"/>
+            <a:ext cx="905159" cy="369332"/>
+          </a:xfrm>
+          <a:prstGeom prst="rect">
+            <a:avLst/>
+          </a:prstGeom>
+          <a:noFill/>
+        </p:spPr>
+        <p:txBody>
+          <a:bodyPr wrap="square" rtlCol="0">
+            <a:spAutoFit/>
+          </a:bodyPr>
+          <a:lstStyle/>
           <a:p>
-            <a:pPr marL="228600" indent="-228600">
-              <a:buAutoNum type="arabicPeriod"/>
-            </a:pPr>
             <a:r>
-              <a:rPr lang="en-IE" sz="2000" dirty="0"/>
-              <a:t>Current</a:t>
+              <a:rPr lang="en-IE" dirty="0"/>
+              <a:t>NODE</a:t>
             </a:r>
           </a:p>
+        </p:txBody>
+      </p:sp>
+      <p:sp>
+        <p:nvSpPr>
+          <p:cNvPr id="28" name="TextBox 27">
+            <a:extLst>
+              <a:ext uri="{FF2B5EF4-FFF2-40B4-BE49-F238E27FC236}">
+                <a16:creationId xmlns:a16="http://schemas.microsoft.com/office/drawing/2014/main" id="{47255887-A51F-6B02-67EE-9E48AE4104ED}"/>
+              </a:ext>
+            </a:extLst>
+          </p:cNvPr>
+          <p:cNvSpPr txBox="1"/>
+          <p:nvPr/>
+        </p:nvSpPr>
+        <p:spPr>
+          <a:xfrm>
+            <a:off x="9338054" y="3059668"/>
+            <a:ext cx="905159" cy="369332"/>
+          </a:xfrm>
+          <a:prstGeom prst="rect">
+            <a:avLst/>
+          </a:prstGeom>
+          <a:noFill/>
+        </p:spPr>
+        <p:txBody>
+          <a:bodyPr wrap="square" rtlCol="0">
+            <a:spAutoFit/>
+          </a:bodyPr>
+          <a:lstStyle/>
           <a:p>
-            <a:pPr marL="228600" indent="-228600">
-              <a:buAutoNum type="arabicPeriod"/>
-            </a:pPr>
             <a:r>
-              <a:rPr lang="en-IE" sz="2000" dirty="0"/>
-              <a:t>Wind</a:t>
-            </a:r>
-          </a:p>
-          <a:p>
-            <a:pPr marL="228600" indent="-228600">
-              <a:buAutoNum type="arabicPeriod"/>
-            </a:pPr>
-            <a:r>
-              <a:rPr lang="en-IE" sz="2000" dirty="0"/>
-              <a:t>Marine traffic</a:t>
-            </a:r>
-          </a:p>
-          <a:p>
-            <a:pPr marL="228600" indent="-228600">
-              <a:buAutoNum type="arabicPeriod" startAt="3"/>
-            </a:pPr>
-            <a:r>
-              <a:rPr lang="en-IE" sz="2000" dirty="0"/>
-              <a:t>Animal traffic</a:t>
-            </a:r>
-          </a:p>
-          <a:p>
-            <a:pPr marL="228600" indent="-228600">
-              <a:buAutoNum type="arabicPeriod" startAt="3"/>
-            </a:pPr>
-            <a:r>
-              <a:rPr lang="en-IE" sz="2000" dirty="0"/>
-              <a:t>Likelihood. (computed)</a:t>
+              <a:rPr lang="en-IE" dirty="0"/>
+              <a:t>LINK</a:t>
             </a:r>
           </a:p>
         </p:txBody>
